--- a/ch1/第一章 绪论.pptx
+++ b/ch1/第一章 绪论.pptx
@@ -146,7 +146,7 @@
   </p:defaultTextStyle>
   <p:extLst>
     <p:ext uri="{EFAFB233-063F-42B5-8137-9DF3F51BA10A}">
-      <p15:sldGuideLst xmlns:p15="http://schemas.microsoft.com/office/powerpoint/2012/main" xmlns=""/>
+      <p15:sldGuideLst xmlns="" xmlns:p15="http://schemas.microsoft.com/office/powerpoint/2012/main"/>
     </p:ext>
   </p:extLst>
 </p:presentation>
@@ -601,7 +601,7 @@
           <p:cNvPr id="2" name="标题 1">
             <a:extLst>
               <a:ext uri="{FF2B5EF4-FFF2-40B4-BE49-F238E27FC236}">
-                <a16:creationId xmlns:a16="http://schemas.microsoft.com/office/drawing/2014/main" xmlns="" id="{B24736D8-A9F2-E648-B43F-CEE6EB2710CA}"/>
+                <a16:creationId xmlns="" xmlns:a16="http://schemas.microsoft.com/office/drawing/2014/main" id="{B24736D8-A9F2-E648-B43F-CEE6EB2710CA}"/>
               </a:ext>
             </a:extLst>
           </p:cNvPr>
@@ -638,7 +638,7 @@
           <p:cNvPr id="3" name="副标题 2">
             <a:extLst>
               <a:ext uri="{FF2B5EF4-FFF2-40B4-BE49-F238E27FC236}">
-                <a16:creationId xmlns:a16="http://schemas.microsoft.com/office/drawing/2014/main" xmlns="" id="{971C92CB-5121-054C-B38D-A7AC9E1938D7}"/>
+                <a16:creationId xmlns="" xmlns:a16="http://schemas.microsoft.com/office/drawing/2014/main" id="{971C92CB-5121-054C-B38D-A7AC9E1938D7}"/>
               </a:ext>
             </a:extLst>
           </p:cNvPr>
@@ -708,7 +708,7 @@
           <p:cNvPr id="4" name="日期占位符 3">
             <a:extLst>
               <a:ext uri="{FF2B5EF4-FFF2-40B4-BE49-F238E27FC236}">
-                <a16:creationId xmlns:a16="http://schemas.microsoft.com/office/drawing/2014/main" xmlns="" id="{7B254641-06F9-4F49-97C8-34BABE80FC3C}"/>
+                <a16:creationId xmlns="" xmlns:a16="http://schemas.microsoft.com/office/drawing/2014/main" id="{7B254641-06F9-4F49-97C8-34BABE80FC3C}"/>
               </a:ext>
             </a:extLst>
           </p:cNvPr>
@@ -737,7 +737,7 @@
           <p:cNvPr id="5" name="页脚占位符 4">
             <a:extLst>
               <a:ext uri="{FF2B5EF4-FFF2-40B4-BE49-F238E27FC236}">
-                <a16:creationId xmlns:a16="http://schemas.microsoft.com/office/drawing/2014/main" xmlns="" id="{5083D603-879E-8B4D-89A0-BC04DE555FE4}"/>
+                <a16:creationId xmlns="" xmlns:a16="http://schemas.microsoft.com/office/drawing/2014/main" id="{5083D603-879E-8B4D-89A0-BC04DE555FE4}"/>
               </a:ext>
             </a:extLst>
           </p:cNvPr>
@@ -762,7 +762,7 @@
           <p:cNvPr id="6" name="灯片编号占位符 5">
             <a:extLst>
               <a:ext uri="{FF2B5EF4-FFF2-40B4-BE49-F238E27FC236}">
-                <a16:creationId xmlns:a16="http://schemas.microsoft.com/office/drawing/2014/main" xmlns="" id="{F99272EC-1378-4946-9763-9AD6F0ECE4CC}"/>
+                <a16:creationId xmlns="" xmlns:a16="http://schemas.microsoft.com/office/drawing/2014/main" id="{F99272EC-1378-4946-9763-9AD6F0ECE4CC}"/>
               </a:ext>
             </a:extLst>
           </p:cNvPr>
@@ -821,7 +821,7 @@
           <p:cNvPr id="2" name="标题 1">
             <a:extLst>
               <a:ext uri="{FF2B5EF4-FFF2-40B4-BE49-F238E27FC236}">
-                <a16:creationId xmlns:a16="http://schemas.microsoft.com/office/drawing/2014/main" xmlns="" id="{FFBDBF2B-64EC-E34C-AC07-ACFF3D6DCAE8}"/>
+                <a16:creationId xmlns="" xmlns:a16="http://schemas.microsoft.com/office/drawing/2014/main" id="{FFBDBF2B-64EC-E34C-AC07-ACFF3D6DCAE8}"/>
               </a:ext>
             </a:extLst>
           </p:cNvPr>
@@ -849,7 +849,7 @@
           <p:cNvPr id="3" name="竖排文字占位符 2">
             <a:extLst>
               <a:ext uri="{FF2B5EF4-FFF2-40B4-BE49-F238E27FC236}">
-                <a16:creationId xmlns:a16="http://schemas.microsoft.com/office/drawing/2014/main" xmlns="" id="{1E8E3A59-A4C9-844F-AC04-A5141E6E635B}"/>
+                <a16:creationId xmlns="" xmlns:a16="http://schemas.microsoft.com/office/drawing/2014/main" id="{1E8E3A59-A4C9-844F-AC04-A5141E6E635B}"/>
               </a:ext>
             </a:extLst>
           </p:cNvPr>
@@ -881,7 +881,7 @@
           <p:cNvPr id="4" name="日期占位符 3">
             <a:extLst>
               <a:ext uri="{FF2B5EF4-FFF2-40B4-BE49-F238E27FC236}">
-                <a16:creationId xmlns:a16="http://schemas.microsoft.com/office/drawing/2014/main" xmlns="" id="{E834A3A8-DB73-4B47-B06B-E25AAFDB442F}"/>
+                <a16:creationId xmlns="" xmlns:a16="http://schemas.microsoft.com/office/drawing/2014/main" id="{E834A3A8-DB73-4B47-B06B-E25AAFDB442F}"/>
               </a:ext>
             </a:extLst>
           </p:cNvPr>
@@ -910,7 +910,7 @@
           <p:cNvPr id="5" name="页脚占位符 4">
             <a:extLst>
               <a:ext uri="{FF2B5EF4-FFF2-40B4-BE49-F238E27FC236}">
-                <a16:creationId xmlns:a16="http://schemas.microsoft.com/office/drawing/2014/main" xmlns="" id="{794E10A3-3D3C-524D-8D0A-0159784A2E5A}"/>
+                <a16:creationId xmlns="" xmlns:a16="http://schemas.microsoft.com/office/drawing/2014/main" id="{794E10A3-3D3C-524D-8D0A-0159784A2E5A}"/>
               </a:ext>
             </a:extLst>
           </p:cNvPr>
@@ -935,7 +935,7 @@
           <p:cNvPr id="6" name="灯片编号占位符 5">
             <a:extLst>
               <a:ext uri="{FF2B5EF4-FFF2-40B4-BE49-F238E27FC236}">
-                <a16:creationId xmlns:a16="http://schemas.microsoft.com/office/drawing/2014/main" xmlns="" id="{907E899C-E4EA-D04B-9CFF-9DE8807BCECB}"/>
+                <a16:creationId xmlns="" xmlns:a16="http://schemas.microsoft.com/office/drawing/2014/main" id="{907E899C-E4EA-D04B-9CFF-9DE8807BCECB}"/>
               </a:ext>
             </a:extLst>
           </p:cNvPr>
@@ -994,7 +994,7 @@
           <p:cNvPr id="2" name="竖排标题 1">
             <a:extLst>
               <a:ext uri="{FF2B5EF4-FFF2-40B4-BE49-F238E27FC236}">
-                <a16:creationId xmlns:a16="http://schemas.microsoft.com/office/drawing/2014/main" xmlns="" id="{F2526A53-4C0F-E94F-A1CE-21D671EA5385}"/>
+                <a16:creationId xmlns="" xmlns:a16="http://schemas.microsoft.com/office/drawing/2014/main" id="{F2526A53-4C0F-E94F-A1CE-21D671EA5385}"/>
               </a:ext>
             </a:extLst>
           </p:cNvPr>
@@ -1027,7 +1027,7 @@
           <p:cNvPr id="3" name="竖排文字占位符 2">
             <a:extLst>
               <a:ext uri="{FF2B5EF4-FFF2-40B4-BE49-F238E27FC236}">
-                <a16:creationId xmlns:a16="http://schemas.microsoft.com/office/drawing/2014/main" xmlns="" id="{5145C220-90B4-5A41-9BA6-AE18A570D236}"/>
+                <a16:creationId xmlns="" xmlns:a16="http://schemas.microsoft.com/office/drawing/2014/main" id="{5145C220-90B4-5A41-9BA6-AE18A570D236}"/>
               </a:ext>
             </a:extLst>
           </p:cNvPr>
@@ -1064,7 +1064,7 @@
           <p:cNvPr id="4" name="日期占位符 3">
             <a:extLst>
               <a:ext uri="{FF2B5EF4-FFF2-40B4-BE49-F238E27FC236}">
-                <a16:creationId xmlns:a16="http://schemas.microsoft.com/office/drawing/2014/main" xmlns="" id="{28B122A0-AE28-BC4A-91A9-60067719696A}"/>
+                <a16:creationId xmlns="" xmlns:a16="http://schemas.microsoft.com/office/drawing/2014/main" id="{28B122A0-AE28-BC4A-91A9-60067719696A}"/>
               </a:ext>
             </a:extLst>
           </p:cNvPr>
@@ -1093,7 +1093,7 @@
           <p:cNvPr id="5" name="页脚占位符 4">
             <a:extLst>
               <a:ext uri="{FF2B5EF4-FFF2-40B4-BE49-F238E27FC236}">
-                <a16:creationId xmlns:a16="http://schemas.microsoft.com/office/drawing/2014/main" xmlns="" id="{A7A9DAB7-3584-BC41-98F3-7957EAE2A554}"/>
+                <a16:creationId xmlns="" xmlns:a16="http://schemas.microsoft.com/office/drawing/2014/main" id="{A7A9DAB7-3584-BC41-98F3-7957EAE2A554}"/>
               </a:ext>
             </a:extLst>
           </p:cNvPr>
@@ -1118,7 +1118,7 @@
           <p:cNvPr id="6" name="灯片编号占位符 5">
             <a:extLst>
               <a:ext uri="{FF2B5EF4-FFF2-40B4-BE49-F238E27FC236}">
-                <a16:creationId xmlns:a16="http://schemas.microsoft.com/office/drawing/2014/main" xmlns="" id="{FF07A25F-125B-D249-9CFB-E1E4418A259E}"/>
+                <a16:creationId xmlns="" xmlns:a16="http://schemas.microsoft.com/office/drawing/2014/main" id="{FF07A25F-125B-D249-9CFB-E1E4418A259E}"/>
               </a:ext>
             </a:extLst>
           </p:cNvPr>
@@ -1177,7 +1177,7 @@
           <p:cNvPr id="2" name="标题 1">
             <a:extLst>
               <a:ext uri="{FF2B5EF4-FFF2-40B4-BE49-F238E27FC236}">
-                <a16:creationId xmlns:a16="http://schemas.microsoft.com/office/drawing/2014/main" xmlns="" id="{1F7B958E-B51C-C04B-A47D-1ECBC744CFA7}"/>
+                <a16:creationId xmlns="" xmlns:a16="http://schemas.microsoft.com/office/drawing/2014/main" id="{1F7B958E-B51C-C04B-A47D-1ECBC744CFA7}"/>
               </a:ext>
             </a:extLst>
           </p:cNvPr>
@@ -1214,7 +1214,7 @@
           <p:cNvPr id="3" name="副标题 2">
             <a:extLst>
               <a:ext uri="{FF2B5EF4-FFF2-40B4-BE49-F238E27FC236}">
-                <a16:creationId xmlns:a16="http://schemas.microsoft.com/office/drawing/2014/main" xmlns="" id="{6990DA58-6162-654B-A01E-4D4CC16EDAE4}"/>
+                <a16:creationId xmlns="" xmlns:a16="http://schemas.microsoft.com/office/drawing/2014/main" id="{6990DA58-6162-654B-A01E-4D4CC16EDAE4}"/>
               </a:ext>
             </a:extLst>
           </p:cNvPr>
@@ -1284,7 +1284,7 @@
           <p:cNvPr id="4" name="日期占位符 3">
             <a:extLst>
               <a:ext uri="{FF2B5EF4-FFF2-40B4-BE49-F238E27FC236}">
-                <a16:creationId xmlns:a16="http://schemas.microsoft.com/office/drawing/2014/main" xmlns="" id="{D41359D9-FE6C-3546-A65F-6E9FDB3D7144}"/>
+                <a16:creationId xmlns="" xmlns:a16="http://schemas.microsoft.com/office/drawing/2014/main" id="{D41359D9-FE6C-3546-A65F-6E9FDB3D7144}"/>
               </a:ext>
             </a:extLst>
           </p:cNvPr>
@@ -1326,7 +1326,7 @@
           <p:cNvPr id="5" name="页脚占位符 4">
             <a:extLst>
               <a:ext uri="{FF2B5EF4-FFF2-40B4-BE49-F238E27FC236}">
-                <a16:creationId xmlns:a16="http://schemas.microsoft.com/office/drawing/2014/main" xmlns="" id="{287B29BF-173D-6A49-A50A-314243BBB346}"/>
+                <a16:creationId xmlns="" xmlns:a16="http://schemas.microsoft.com/office/drawing/2014/main" id="{287B29BF-173D-6A49-A50A-314243BBB346}"/>
               </a:ext>
             </a:extLst>
           </p:cNvPr>
@@ -1357,7 +1357,7 @@
           <p:cNvPr id="6" name="灯片编号占位符 5">
             <a:extLst>
               <a:ext uri="{FF2B5EF4-FFF2-40B4-BE49-F238E27FC236}">
-                <a16:creationId xmlns:a16="http://schemas.microsoft.com/office/drawing/2014/main" xmlns="" id="{F59BC885-AE14-A643-80D6-BFE8FFFE4C54}"/>
+                <a16:creationId xmlns="" xmlns:a16="http://schemas.microsoft.com/office/drawing/2014/main" id="{F59BC885-AE14-A643-80D6-BFE8FFFE4C54}"/>
               </a:ext>
             </a:extLst>
           </p:cNvPr>
@@ -1429,7 +1429,7 @@
           <p:cNvPr id="2" name="标题 1">
             <a:extLst>
               <a:ext uri="{FF2B5EF4-FFF2-40B4-BE49-F238E27FC236}">
-                <a16:creationId xmlns:a16="http://schemas.microsoft.com/office/drawing/2014/main" xmlns="" id="{FBF91193-8581-B742-B5C7-D64D076C749E}"/>
+                <a16:creationId xmlns="" xmlns:a16="http://schemas.microsoft.com/office/drawing/2014/main" id="{FBF91193-8581-B742-B5C7-D64D076C749E}"/>
               </a:ext>
             </a:extLst>
           </p:cNvPr>
@@ -1457,7 +1457,7 @@
           <p:cNvPr id="3" name="内容占位符 2">
             <a:extLst>
               <a:ext uri="{FF2B5EF4-FFF2-40B4-BE49-F238E27FC236}">
-                <a16:creationId xmlns:a16="http://schemas.microsoft.com/office/drawing/2014/main" xmlns="" id="{E6828D84-622D-C04E-AB08-442F955B1A37}"/>
+                <a16:creationId xmlns="" xmlns:a16="http://schemas.microsoft.com/office/drawing/2014/main" id="{E6828D84-622D-C04E-AB08-442F955B1A37}"/>
               </a:ext>
             </a:extLst>
           </p:cNvPr>
@@ -1489,7 +1489,7 @@
           <p:cNvPr id="4" name="日期占位符 3">
             <a:extLst>
               <a:ext uri="{FF2B5EF4-FFF2-40B4-BE49-F238E27FC236}">
-                <a16:creationId xmlns:a16="http://schemas.microsoft.com/office/drawing/2014/main" xmlns="" id="{42AA22D3-AE8C-D64B-B262-FCBA0F7D7E24}"/>
+                <a16:creationId xmlns="" xmlns:a16="http://schemas.microsoft.com/office/drawing/2014/main" id="{42AA22D3-AE8C-D64B-B262-FCBA0F7D7E24}"/>
               </a:ext>
             </a:extLst>
           </p:cNvPr>
@@ -1531,7 +1531,7 @@
           <p:cNvPr id="5" name="页脚占位符 4">
             <a:extLst>
               <a:ext uri="{FF2B5EF4-FFF2-40B4-BE49-F238E27FC236}">
-                <a16:creationId xmlns:a16="http://schemas.microsoft.com/office/drawing/2014/main" xmlns="" id="{4F987970-59C5-7E4B-A069-EB505E6A9E4D}"/>
+                <a16:creationId xmlns="" xmlns:a16="http://schemas.microsoft.com/office/drawing/2014/main" id="{4F987970-59C5-7E4B-A069-EB505E6A9E4D}"/>
               </a:ext>
             </a:extLst>
           </p:cNvPr>
@@ -1562,7 +1562,7 @@
           <p:cNvPr id="6" name="灯片编号占位符 5">
             <a:extLst>
               <a:ext uri="{FF2B5EF4-FFF2-40B4-BE49-F238E27FC236}">
-                <a16:creationId xmlns:a16="http://schemas.microsoft.com/office/drawing/2014/main" xmlns="" id="{9E896898-3DDA-E845-8567-6DF48BC77E02}"/>
+                <a16:creationId xmlns="" xmlns:a16="http://schemas.microsoft.com/office/drawing/2014/main" id="{9E896898-3DDA-E845-8567-6DF48BC77E02}"/>
               </a:ext>
             </a:extLst>
           </p:cNvPr>
@@ -1634,7 +1634,7 @@
           <p:cNvPr id="2" name="标题 1">
             <a:extLst>
               <a:ext uri="{FF2B5EF4-FFF2-40B4-BE49-F238E27FC236}">
-                <a16:creationId xmlns:a16="http://schemas.microsoft.com/office/drawing/2014/main" xmlns="" id="{184D7E01-19D7-4841-845B-30F299C41A4A}"/>
+                <a16:creationId xmlns="" xmlns:a16="http://schemas.microsoft.com/office/drawing/2014/main" id="{184D7E01-19D7-4841-845B-30F299C41A4A}"/>
               </a:ext>
             </a:extLst>
           </p:cNvPr>
@@ -1671,7 +1671,7 @@
           <p:cNvPr id="3" name="文本占位符 2">
             <a:extLst>
               <a:ext uri="{FF2B5EF4-FFF2-40B4-BE49-F238E27FC236}">
-                <a16:creationId xmlns:a16="http://schemas.microsoft.com/office/drawing/2014/main" xmlns="" id="{123C37C3-1284-E74F-AD65-B6C61E110842}"/>
+                <a16:creationId xmlns="" xmlns:a16="http://schemas.microsoft.com/office/drawing/2014/main" id="{123C37C3-1284-E74F-AD65-B6C61E110842}"/>
               </a:ext>
             </a:extLst>
           </p:cNvPr>
@@ -1799,7 +1799,7 @@
           <p:cNvPr id="4" name="日期占位符 3">
             <a:extLst>
               <a:ext uri="{FF2B5EF4-FFF2-40B4-BE49-F238E27FC236}">
-                <a16:creationId xmlns:a16="http://schemas.microsoft.com/office/drawing/2014/main" xmlns="" id="{67A2FD50-D3D8-1B49-BEDA-E1EE9763AB98}"/>
+                <a16:creationId xmlns="" xmlns:a16="http://schemas.microsoft.com/office/drawing/2014/main" id="{67A2FD50-D3D8-1B49-BEDA-E1EE9763AB98}"/>
               </a:ext>
             </a:extLst>
           </p:cNvPr>
@@ -1841,7 +1841,7 @@
           <p:cNvPr id="5" name="页脚占位符 4">
             <a:extLst>
               <a:ext uri="{FF2B5EF4-FFF2-40B4-BE49-F238E27FC236}">
-                <a16:creationId xmlns:a16="http://schemas.microsoft.com/office/drawing/2014/main" xmlns="" id="{8F7D3E19-99BE-2E49-A1FE-431171C8C8E1}"/>
+                <a16:creationId xmlns="" xmlns:a16="http://schemas.microsoft.com/office/drawing/2014/main" id="{8F7D3E19-99BE-2E49-A1FE-431171C8C8E1}"/>
               </a:ext>
             </a:extLst>
           </p:cNvPr>
@@ -1872,7 +1872,7 @@
           <p:cNvPr id="6" name="灯片编号占位符 5">
             <a:extLst>
               <a:ext uri="{FF2B5EF4-FFF2-40B4-BE49-F238E27FC236}">
-                <a16:creationId xmlns:a16="http://schemas.microsoft.com/office/drawing/2014/main" xmlns="" id="{A4C7EEE0-3967-1C4B-AD82-823F3AC52052}"/>
+                <a16:creationId xmlns="" xmlns:a16="http://schemas.microsoft.com/office/drawing/2014/main" id="{A4C7EEE0-3967-1C4B-AD82-823F3AC52052}"/>
               </a:ext>
             </a:extLst>
           </p:cNvPr>
@@ -1944,7 +1944,7 @@
           <p:cNvPr id="2" name="标题 1">
             <a:extLst>
               <a:ext uri="{FF2B5EF4-FFF2-40B4-BE49-F238E27FC236}">
-                <a16:creationId xmlns:a16="http://schemas.microsoft.com/office/drawing/2014/main" xmlns="" id="{55906605-1F07-7744-8E7B-6C17B3DA0EAD}"/>
+                <a16:creationId xmlns="" xmlns:a16="http://schemas.microsoft.com/office/drawing/2014/main" id="{55906605-1F07-7744-8E7B-6C17B3DA0EAD}"/>
               </a:ext>
             </a:extLst>
           </p:cNvPr>
@@ -1972,7 +1972,7 @@
           <p:cNvPr id="3" name="内容占位符 2">
             <a:extLst>
               <a:ext uri="{FF2B5EF4-FFF2-40B4-BE49-F238E27FC236}">
-                <a16:creationId xmlns:a16="http://schemas.microsoft.com/office/drawing/2014/main" xmlns="" id="{549974A8-AC92-124C-AD88-9A334DA0DE95}"/>
+                <a16:creationId xmlns="" xmlns:a16="http://schemas.microsoft.com/office/drawing/2014/main" id="{549974A8-AC92-124C-AD88-9A334DA0DE95}"/>
               </a:ext>
             </a:extLst>
           </p:cNvPr>
@@ -2009,7 +2009,7 @@
           <p:cNvPr id="4" name="内容占位符 3">
             <a:extLst>
               <a:ext uri="{FF2B5EF4-FFF2-40B4-BE49-F238E27FC236}">
-                <a16:creationId xmlns:a16="http://schemas.microsoft.com/office/drawing/2014/main" xmlns="" id="{8834EE29-B7F7-5646-B2DF-3A3D62E54E99}"/>
+                <a16:creationId xmlns="" xmlns:a16="http://schemas.microsoft.com/office/drawing/2014/main" id="{8834EE29-B7F7-5646-B2DF-3A3D62E54E99}"/>
               </a:ext>
             </a:extLst>
           </p:cNvPr>
@@ -2046,7 +2046,7 @@
           <p:cNvPr id="5" name="日期占位符 4">
             <a:extLst>
               <a:ext uri="{FF2B5EF4-FFF2-40B4-BE49-F238E27FC236}">
-                <a16:creationId xmlns:a16="http://schemas.microsoft.com/office/drawing/2014/main" xmlns="" id="{ED810DF9-847D-2D4E-8D05-BA94CF430FC2}"/>
+                <a16:creationId xmlns="" xmlns:a16="http://schemas.microsoft.com/office/drawing/2014/main" id="{ED810DF9-847D-2D4E-8D05-BA94CF430FC2}"/>
               </a:ext>
             </a:extLst>
           </p:cNvPr>
@@ -2088,7 +2088,7 @@
           <p:cNvPr id="6" name="页脚占位符 5">
             <a:extLst>
               <a:ext uri="{FF2B5EF4-FFF2-40B4-BE49-F238E27FC236}">
-                <a16:creationId xmlns:a16="http://schemas.microsoft.com/office/drawing/2014/main" xmlns="" id="{D3277308-10C4-4740-B79B-1FD5BD0807CB}"/>
+                <a16:creationId xmlns="" xmlns:a16="http://schemas.microsoft.com/office/drawing/2014/main" id="{D3277308-10C4-4740-B79B-1FD5BD0807CB}"/>
               </a:ext>
             </a:extLst>
           </p:cNvPr>
@@ -2119,7 +2119,7 @@
           <p:cNvPr id="7" name="灯片编号占位符 6">
             <a:extLst>
               <a:ext uri="{FF2B5EF4-FFF2-40B4-BE49-F238E27FC236}">
-                <a16:creationId xmlns:a16="http://schemas.microsoft.com/office/drawing/2014/main" xmlns="" id="{85792057-79B7-7B48-A8D3-2FCD653C94CE}"/>
+                <a16:creationId xmlns="" xmlns:a16="http://schemas.microsoft.com/office/drawing/2014/main" id="{85792057-79B7-7B48-A8D3-2FCD653C94CE}"/>
               </a:ext>
             </a:extLst>
           </p:cNvPr>
@@ -2191,7 +2191,7 @@
           <p:cNvPr id="2" name="标题 1">
             <a:extLst>
               <a:ext uri="{FF2B5EF4-FFF2-40B4-BE49-F238E27FC236}">
-                <a16:creationId xmlns:a16="http://schemas.microsoft.com/office/drawing/2014/main" xmlns="" id="{55A99B21-78BE-B342-A390-28A655F14A95}"/>
+                <a16:creationId xmlns="" xmlns:a16="http://schemas.microsoft.com/office/drawing/2014/main" id="{55A99B21-78BE-B342-A390-28A655F14A95}"/>
               </a:ext>
             </a:extLst>
           </p:cNvPr>
@@ -2224,7 +2224,7 @@
           <p:cNvPr id="3" name="文本占位符 2">
             <a:extLst>
               <a:ext uri="{FF2B5EF4-FFF2-40B4-BE49-F238E27FC236}">
-                <a16:creationId xmlns:a16="http://schemas.microsoft.com/office/drawing/2014/main" xmlns="" id="{B52D1341-74C0-CA49-8FCA-6269DC42F687}"/>
+                <a16:creationId xmlns="" xmlns:a16="http://schemas.microsoft.com/office/drawing/2014/main" id="{B52D1341-74C0-CA49-8FCA-6269DC42F687}"/>
               </a:ext>
             </a:extLst>
           </p:cNvPr>
@@ -2298,7 +2298,7 @@
           <p:cNvPr id="4" name="内容占位符 3">
             <a:extLst>
               <a:ext uri="{FF2B5EF4-FFF2-40B4-BE49-F238E27FC236}">
-                <a16:creationId xmlns:a16="http://schemas.microsoft.com/office/drawing/2014/main" xmlns="" id="{C52E404B-3D0E-0947-8AA5-68429A260FFF}"/>
+                <a16:creationId xmlns="" xmlns:a16="http://schemas.microsoft.com/office/drawing/2014/main" id="{C52E404B-3D0E-0947-8AA5-68429A260FFF}"/>
               </a:ext>
             </a:extLst>
           </p:cNvPr>
@@ -2335,7 +2335,7 @@
           <p:cNvPr id="5" name="文本占位符 4">
             <a:extLst>
               <a:ext uri="{FF2B5EF4-FFF2-40B4-BE49-F238E27FC236}">
-                <a16:creationId xmlns:a16="http://schemas.microsoft.com/office/drawing/2014/main" xmlns="" id="{33D09887-7992-5A48-8BDD-6C0A87A1BB21}"/>
+                <a16:creationId xmlns="" xmlns:a16="http://schemas.microsoft.com/office/drawing/2014/main" id="{33D09887-7992-5A48-8BDD-6C0A87A1BB21}"/>
               </a:ext>
             </a:extLst>
           </p:cNvPr>
@@ -2409,7 +2409,7 @@
           <p:cNvPr id="6" name="内容占位符 5">
             <a:extLst>
               <a:ext uri="{FF2B5EF4-FFF2-40B4-BE49-F238E27FC236}">
-                <a16:creationId xmlns:a16="http://schemas.microsoft.com/office/drawing/2014/main" xmlns="" id="{DE5F04EB-3D81-D848-876B-91E7ADBF98C9}"/>
+                <a16:creationId xmlns="" xmlns:a16="http://schemas.microsoft.com/office/drawing/2014/main" id="{DE5F04EB-3D81-D848-876B-91E7ADBF98C9}"/>
               </a:ext>
             </a:extLst>
           </p:cNvPr>
@@ -2446,7 +2446,7 @@
           <p:cNvPr id="7" name="日期占位符 6">
             <a:extLst>
               <a:ext uri="{FF2B5EF4-FFF2-40B4-BE49-F238E27FC236}">
-                <a16:creationId xmlns:a16="http://schemas.microsoft.com/office/drawing/2014/main" xmlns="" id="{46B5C810-456E-CC41-B3C5-90AF2B0878E0}"/>
+                <a16:creationId xmlns="" xmlns:a16="http://schemas.microsoft.com/office/drawing/2014/main" id="{46B5C810-456E-CC41-B3C5-90AF2B0878E0}"/>
               </a:ext>
             </a:extLst>
           </p:cNvPr>
@@ -2488,7 +2488,7 @@
           <p:cNvPr id="8" name="页脚占位符 7">
             <a:extLst>
               <a:ext uri="{FF2B5EF4-FFF2-40B4-BE49-F238E27FC236}">
-                <a16:creationId xmlns:a16="http://schemas.microsoft.com/office/drawing/2014/main" xmlns="" id="{DD3C369E-73CE-9745-A545-53BBA0536715}"/>
+                <a16:creationId xmlns="" xmlns:a16="http://schemas.microsoft.com/office/drawing/2014/main" id="{DD3C369E-73CE-9745-A545-53BBA0536715}"/>
               </a:ext>
             </a:extLst>
           </p:cNvPr>
@@ -2519,7 +2519,7 @@
           <p:cNvPr id="9" name="灯片编号占位符 8">
             <a:extLst>
               <a:ext uri="{FF2B5EF4-FFF2-40B4-BE49-F238E27FC236}">
-                <a16:creationId xmlns:a16="http://schemas.microsoft.com/office/drawing/2014/main" xmlns="" id="{00F9FF49-433D-7049-98CC-5FF460A75211}"/>
+                <a16:creationId xmlns="" xmlns:a16="http://schemas.microsoft.com/office/drawing/2014/main" id="{00F9FF49-433D-7049-98CC-5FF460A75211}"/>
               </a:ext>
             </a:extLst>
           </p:cNvPr>
@@ -2591,7 +2591,7 @@
           <p:cNvPr id="2" name="标题 1">
             <a:extLst>
               <a:ext uri="{FF2B5EF4-FFF2-40B4-BE49-F238E27FC236}">
-                <a16:creationId xmlns:a16="http://schemas.microsoft.com/office/drawing/2014/main" xmlns="" id="{AE3C5DFF-8A23-474C-A726-7F18A0341333}"/>
+                <a16:creationId xmlns="" xmlns:a16="http://schemas.microsoft.com/office/drawing/2014/main" id="{AE3C5DFF-8A23-474C-A726-7F18A0341333}"/>
               </a:ext>
             </a:extLst>
           </p:cNvPr>
@@ -2619,7 +2619,7 @@
           <p:cNvPr id="3" name="日期占位符 2">
             <a:extLst>
               <a:ext uri="{FF2B5EF4-FFF2-40B4-BE49-F238E27FC236}">
-                <a16:creationId xmlns:a16="http://schemas.microsoft.com/office/drawing/2014/main" xmlns="" id="{059D6AF6-B276-3A40-B6AD-5744ADD2219C}"/>
+                <a16:creationId xmlns="" xmlns:a16="http://schemas.microsoft.com/office/drawing/2014/main" id="{059D6AF6-B276-3A40-B6AD-5744ADD2219C}"/>
               </a:ext>
             </a:extLst>
           </p:cNvPr>
@@ -2661,7 +2661,7 @@
           <p:cNvPr id="4" name="页脚占位符 3">
             <a:extLst>
               <a:ext uri="{FF2B5EF4-FFF2-40B4-BE49-F238E27FC236}">
-                <a16:creationId xmlns:a16="http://schemas.microsoft.com/office/drawing/2014/main" xmlns="" id="{829D27B9-8250-F44E-8CEE-AF1A84EA773A}"/>
+                <a16:creationId xmlns="" xmlns:a16="http://schemas.microsoft.com/office/drawing/2014/main" id="{829D27B9-8250-F44E-8CEE-AF1A84EA773A}"/>
               </a:ext>
             </a:extLst>
           </p:cNvPr>
@@ -2692,7 +2692,7 @@
           <p:cNvPr id="5" name="灯片编号占位符 4">
             <a:extLst>
               <a:ext uri="{FF2B5EF4-FFF2-40B4-BE49-F238E27FC236}">
-                <a16:creationId xmlns:a16="http://schemas.microsoft.com/office/drawing/2014/main" xmlns="" id="{9C68421A-5109-4F44-A551-E6C38CA0D33D}"/>
+                <a16:creationId xmlns="" xmlns:a16="http://schemas.microsoft.com/office/drawing/2014/main" id="{9C68421A-5109-4F44-A551-E6C38CA0D33D}"/>
               </a:ext>
             </a:extLst>
           </p:cNvPr>
@@ -2764,7 +2764,7 @@
           <p:cNvPr id="2" name="日期占位符 1">
             <a:extLst>
               <a:ext uri="{FF2B5EF4-FFF2-40B4-BE49-F238E27FC236}">
-                <a16:creationId xmlns:a16="http://schemas.microsoft.com/office/drawing/2014/main" xmlns="" id="{441B756C-6C8E-1949-B36B-B34195D0AC16}"/>
+                <a16:creationId xmlns="" xmlns:a16="http://schemas.microsoft.com/office/drawing/2014/main" id="{441B756C-6C8E-1949-B36B-B34195D0AC16}"/>
               </a:ext>
             </a:extLst>
           </p:cNvPr>
@@ -2806,7 +2806,7 @@
           <p:cNvPr id="3" name="页脚占位符 2">
             <a:extLst>
               <a:ext uri="{FF2B5EF4-FFF2-40B4-BE49-F238E27FC236}">
-                <a16:creationId xmlns:a16="http://schemas.microsoft.com/office/drawing/2014/main" xmlns="" id="{137FB4A0-3C5A-D84F-9851-0870B8AF42E7}"/>
+                <a16:creationId xmlns="" xmlns:a16="http://schemas.microsoft.com/office/drawing/2014/main" id="{137FB4A0-3C5A-D84F-9851-0870B8AF42E7}"/>
               </a:ext>
             </a:extLst>
           </p:cNvPr>
@@ -2837,7 +2837,7 @@
           <p:cNvPr id="4" name="灯片编号占位符 3">
             <a:extLst>
               <a:ext uri="{FF2B5EF4-FFF2-40B4-BE49-F238E27FC236}">
-                <a16:creationId xmlns:a16="http://schemas.microsoft.com/office/drawing/2014/main" xmlns="" id="{FED73875-D56F-D84B-9CD3-C4CE799F422F}"/>
+                <a16:creationId xmlns="" xmlns:a16="http://schemas.microsoft.com/office/drawing/2014/main" id="{FED73875-D56F-D84B-9CD3-C4CE799F422F}"/>
               </a:ext>
             </a:extLst>
           </p:cNvPr>
@@ -2909,7 +2909,7 @@
           <p:cNvPr id="2" name="标题 1">
             <a:extLst>
               <a:ext uri="{FF2B5EF4-FFF2-40B4-BE49-F238E27FC236}">
-                <a16:creationId xmlns:a16="http://schemas.microsoft.com/office/drawing/2014/main" xmlns="" id="{8E4B6325-CA3A-8048-BB0E-DE16534BF41E}"/>
+                <a16:creationId xmlns="" xmlns:a16="http://schemas.microsoft.com/office/drawing/2014/main" id="{8E4B6325-CA3A-8048-BB0E-DE16534BF41E}"/>
               </a:ext>
             </a:extLst>
           </p:cNvPr>
@@ -2946,7 +2946,7 @@
           <p:cNvPr id="3" name="内容占位符 2">
             <a:extLst>
               <a:ext uri="{FF2B5EF4-FFF2-40B4-BE49-F238E27FC236}">
-                <a16:creationId xmlns:a16="http://schemas.microsoft.com/office/drawing/2014/main" xmlns="" id="{7B68A4FB-ABE0-8142-A102-C99B1EFA705E}"/>
+                <a16:creationId xmlns="" xmlns:a16="http://schemas.microsoft.com/office/drawing/2014/main" id="{7B68A4FB-ABE0-8142-A102-C99B1EFA705E}"/>
               </a:ext>
             </a:extLst>
           </p:cNvPr>
@@ -3011,7 +3011,7 @@
           <p:cNvPr id="4" name="文本占位符 3">
             <a:extLst>
               <a:ext uri="{FF2B5EF4-FFF2-40B4-BE49-F238E27FC236}">
-                <a16:creationId xmlns:a16="http://schemas.microsoft.com/office/drawing/2014/main" xmlns="" id="{C2F56538-0E80-264C-80E6-EFF769618D9C}"/>
+                <a16:creationId xmlns="" xmlns:a16="http://schemas.microsoft.com/office/drawing/2014/main" id="{C2F56538-0E80-264C-80E6-EFF769618D9C}"/>
               </a:ext>
             </a:extLst>
           </p:cNvPr>
@@ -3085,7 +3085,7 @@
           <p:cNvPr id="5" name="日期占位符 4">
             <a:extLst>
               <a:ext uri="{FF2B5EF4-FFF2-40B4-BE49-F238E27FC236}">
-                <a16:creationId xmlns:a16="http://schemas.microsoft.com/office/drawing/2014/main" xmlns="" id="{6B01C985-7089-6C4D-937E-13FFE7B5E1E2}"/>
+                <a16:creationId xmlns="" xmlns:a16="http://schemas.microsoft.com/office/drawing/2014/main" id="{6B01C985-7089-6C4D-937E-13FFE7B5E1E2}"/>
               </a:ext>
             </a:extLst>
           </p:cNvPr>
@@ -3127,7 +3127,7 @@
           <p:cNvPr id="6" name="页脚占位符 5">
             <a:extLst>
               <a:ext uri="{FF2B5EF4-FFF2-40B4-BE49-F238E27FC236}">
-                <a16:creationId xmlns:a16="http://schemas.microsoft.com/office/drawing/2014/main" xmlns="" id="{1D449404-AE4B-ED4F-A667-E587FDF9CDC8}"/>
+                <a16:creationId xmlns="" xmlns:a16="http://schemas.microsoft.com/office/drawing/2014/main" id="{1D449404-AE4B-ED4F-A667-E587FDF9CDC8}"/>
               </a:ext>
             </a:extLst>
           </p:cNvPr>
@@ -3158,7 +3158,7 @@
           <p:cNvPr id="7" name="灯片编号占位符 6">
             <a:extLst>
               <a:ext uri="{FF2B5EF4-FFF2-40B4-BE49-F238E27FC236}">
-                <a16:creationId xmlns:a16="http://schemas.microsoft.com/office/drawing/2014/main" xmlns="" id="{BBB385E7-5876-2647-8A93-1802BE2328A1}"/>
+                <a16:creationId xmlns="" xmlns:a16="http://schemas.microsoft.com/office/drawing/2014/main" id="{BBB385E7-5876-2647-8A93-1802BE2328A1}"/>
               </a:ext>
             </a:extLst>
           </p:cNvPr>
@@ -3230,7 +3230,7 @@
           <p:cNvPr id="2" name="标题 1">
             <a:extLst>
               <a:ext uri="{FF2B5EF4-FFF2-40B4-BE49-F238E27FC236}">
-                <a16:creationId xmlns:a16="http://schemas.microsoft.com/office/drawing/2014/main" xmlns="" id="{D14EE60C-3EEC-FF4F-A498-AA1C36788DFE}"/>
+                <a16:creationId xmlns="" xmlns:a16="http://schemas.microsoft.com/office/drawing/2014/main" id="{D14EE60C-3EEC-FF4F-A498-AA1C36788DFE}"/>
               </a:ext>
             </a:extLst>
           </p:cNvPr>
@@ -3258,7 +3258,7 @@
           <p:cNvPr id="3" name="内容占位符 2">
             <a:extLst>
               <a:ext uri="{FF2B5EF4-FFF2-40B4-BE49-F238E27FC236}">
-                <a16:creationId xmlns:a16="http://schemas.microsoft.com/office/drawing/2014/main" xmlns="" id="{C9D169BB-DD6F-EF4C-BF24-717745409933}"/>
+                <a16:creationId xmlns="" xmlns:a16="http://schemas.microsoft.com/office/drawing/2014/main" id="{C9D169BB-DD6F-EF4C-BF24-717745409933}"/>
               </a:ext>
             </a:extLst>
           </p:cNvPr>
@@ -3290,7 +3290,7 @@
           <p:cNvPr id="4" name="日期占位符 3">
             <a:extLst>
               <a:ext uri="{FF2B5EF4-FFF2-40B4-BE49-F238E27FC236}">
-                <a16:creationId xmlns:a16="http://schemas.microsoft.com/office/drawing/2014/main" xmlns="" id="{55AF65AB-E615-DA4F-A616-18A23EECB2D6}"/>
+                <a16:creationId xmlns="" xmlns:a16="http://schemas.microsoft.com/office/drawing/2014/main" id="{55AF65AB-E615-DA4F-A616-18A23EECB2D6}"/>
               </a:ext>
             </a:extLst>
           </p:cNvPr>
@@ -3319,7 +3319,7 @@
           <p:cNvPr id="5" name="页脚占位符 4">
             <a:extLst>
               <a:ext uri="{FF2B5EF4-FFF2-40B4-BE49-F238E27FC236}">
-                <a16:creationId xmlns:a16="http://schemas.microsoft.com/office/drawing/2014/main" xmlns="" id="{2CEF08CB-0BD7-F440-A78B-2040426EA597}"/>
+                <a16:creationId xmlns="" xmlns:a16="http://schemas.microsoft.com/office/drawing/2014/main" id="{2CEF08CB-0BD7-F440-A78B-2040426EA597}"/>
               </a:ext>
             </a:extLst>
           </p:cNvPr>
@@ -3344,7 +3344,7 @@
           <p:cNvPr id="6" name="灯片编号占位符 5">
             <a:extLst>
               <a:ext uri="{FF2B5EF4-FFF2-40B4-BE49-F238E27FC236}">
-                <a16:creationId xmlns:a16="http://schemas.microsoft.com/office/drawing/2014/main" xmlns="" id="{91AEAB26-20E7-8041-9A45-78D1477A6B87}"/>
+                <a16:creationId xmlns="" xmlns:a16="http://schemas.microsoft.com/office/drawing/2014/main" id="{91AEAB26-20E7-8041-9A45-78D1477A6B87}"/>
               </a:ext>
             </a:extLst>
           </p:cNvPr>
@@ -3403,7 +3403,7 @@
           <p:cNvPr id="2" name="标题 1">
             <a:extLst>
               <a:ext uri="{FF2B5EF4-FFF2-40B4-BE49-F238E27FC236}">
-                <a16:creationId xmlns:a16="http://schemas.microsoft.com/office/drawing/2014/main" xmlns="" id="{F45FE632-F7B7-BC41-BAF4-9F0787C5B866}"/>
+                <a16:creationId xmlns="" xmlns:a16="http://schemas.microsoft.com/office/drawing/2014/main" id="{F45FE632-F7B7-BC41-BAF4-9F0787C5B866}"/>
               </a:ext>
             </a:extLst>
           </p:cNvPr>
@@ -3440,7 +3440,7 @@
           <p:cNvPr id="3" name="图片占位符 2">
             <a:extLst>
               <a:ext uri="{FF2B5EF4-FFF2-40B4-BE49-F238E27FC236}">
-                <a16:creationId xmlns:a16="http://schemas.microsoft.com/office/drawing/2014/main" xmlns="" id="{B735CF7C-F301-9C4A-A156-44266363ABFA}"/>
+                <a16:creationId xmlns="" xmlns:a16="http://schemas.microsoft.com/office/drawing/2014/main" id="{B735CF7C-F301-9C4A-A156-44266363ABFA}"/>
               </a:ext>
             </a:extLst>
           </p:cNvPr>
@@ -3507,7 +3507,7 @@
           <p:cNvPr id="4" name="文本占位符 3">
             <a:extLst>
               <a:ext uri="{FF2B5EF4-FFF2-40B4-BE49-F238E27FC236}">
-                <a16:creationId xmlns:a16="http://schemas.microsoft.com/office/drawing/2014/main" xmlns="" id="{E2F84B2B-B957-7443-B311-53F007024498}"/>
+                <a16:creationId xmlns="" xmlns:a16="http://schemas.microsoft.com/office/drawing/2014/main" id="{E2F84B2B-B957-7443-B311-53F007024498}"/>
               </a:ext>
             </a:extLst>
           </p:cNvPr>
@@ -3581,7 +3581,7 @@
           <p:cNvPr id="5" name="日期占位符 4">
             <a:extLst>
               <a:ext uri="{FF2B5EF4-FFF2-40B4-BE49-F238E27FC236}">
-                <a16:creationId xmlns:a16="http://schemas.microsoft.com/office/drawing/2014/main" xmlns="" id="{E5AD668F-E088-5742-A6E7-D8527D614CE5}"/>
+                <a16:creationId xmlns="" xmlns:a16="http://schemas.microsoft.com/office/drawing/2014/main" id="{E5AD668F-E088-5742-A6E7-D8527D614CE5}"/>
               </a:ext>
             </a:extLst>
           </p:cNvPr>
@@ -3623,7 +3623,7 @@
           <p:cNvPr id="6" name="页脚占位符 5">
             <a:extLst>
               <a:ext uri="{FF2B5EF4-FFF2-40B4-BE49-F238E27FC236}">
-                <a16:creationId xmlns:a16="http://schemas.microsoft.com/office/drawing/2014/main" xmlns="" id="{84B12874-B77F-C941-9E3B-0717828CF942}"/>
+                <a16:creationId xmlns="" xmlns:a16="http://schemas.microsoft.com/office/drawing/2014/main" id="{84B12874-B77F-C941-9E3B-0717828CF942}"/>
               </a:ext>
             </a:extLst>
           </p:cNvPr>
@@ -3654,7 +3654,7 @@
           <p:cNvPr id="7" name="灯片编号占位符 6">
             <a:extLst>
               <a:ext uri="{FF2B5EF4-FFF2-40B4-BE49-F238E27FC236}">
-                <a16:creationId xmlns:a16="http://schemas.microsoft.com/office/drawing/2014/main" xmlns="" id="{FBBA1218-5088-BB42-8EC8-9892D8024763}"/>
+                <a16:creationId xmlns="" xmlns:a16="http://schemas.microsoft.com/office/drawing/2014/main" id="{FBBA1218-5088-BB42-8EC8-9892D8024763}"/>
               </a:ext>
             </a:extLst>
           </p:cNvPr>
@@ -3726,7 +3726,7 @@
           <p:cNvPr id="2" name="标题 1">
             <a:extLst>
               <a:ext uri="{FF2B5EF4-FFF2-40B4-BE49-F238E27FC236}">
-                <a16:creationId xmlns:a16="http://schemas.microsoft.com/office/drawing/2014/main" xmlns="" id="{A0481547-8352-F341-B0EC-824B17F1A20F}"/>
+                <a16:creationId xmlns="" xmlns:a16="http://schemas.microsoft.com/office/drawing/2014/main" id="{A0481547-8352-F341-B0EC-824B17F1A20F}"/>
               </a:ext>
             </a:extLst>
           </p:cNvPr>
@@ -3754,7 +3754,7 @@
           <p:cNvPr id="3" name="竖排文字占位符 2">
             <a:extLst>
               <a:ext uri="{FF2B5EF4-FFF2-40B4-BE49-F238E27FC236}">
-                <a16:creationId xmlns:a16="http://schemas.microsoft.com/office/drawing/2014/main" xmlns="" id="{CDF4E81A-3552-C640-A027-198057EF003E}"/>
+                <a16:creationId xmlns="" xmlns:a16="http://schemas.microsoft.com/office/drawing/2014/main" id="{CDF4E81A-3552-C640-A027-198057EF003E}"/>
               </a:ext>
             </a:extLst>
           </p:cNvPr>
@@ -3786,7 +3786,7 @@
           <p:cNvPr id="4" name="日期占位符 3">
             <a:extLst>
               <a:ext uri="{FF2B5EF4-FFF2-40B4-BE49-F238E27FC236}">
-                <a16:creationId xmlns:a16="http://schemas.microsoft.com/office/drawing/2014/main" xmlns="" id="{70C7AAA1-E7B6-5F42-9D53-B01933613838}"/>
+                <a16:creationId xmlns="" xmlns:a16="http://schemas.microsoft.com/office/drawing/2014/main" id="{70C7AAA1-E7B6-5F42-9D53-B01933613838}"/>
               </a:ext>
             </a:extLst>
           </p:cNvPr>
@@ -3828,7 +3828,7 @@
           <p:cNvPr id="5" name="页脚占位符 4">
             <a:extLst>
               <a:ext uri="{FF2B5EF4-FFF2-40B4-BE49-F238E27FC236}">
-                <a16:creationId xmlns:a16="http://schemas.microsoft.com/office/drawing/2014/main" xmlns="" id="{34B27D1C-1349-EC4F-BA96-C82C0A770653}"/>
+                <a16:creationId xmlns="" xmlns:a16="http://schemas.microsoft.com/office/drawing/2014/main" id="{34B27D1C-1349-EC4F-BA96-C82C0A770653}"/>
               </a:ext>
             </a:extLst>
           </p:cNvPr>
@@ -3859,7 +3859,7 @@
           <p:cNvPr id="6" name="灯片编号占位符 5">
             <a:extLst>
               <a:ext uri="{FF2B5EF4-FFF2-40B4-BE49-F238E27FC236}">
-                <a16:creationId xmlns:a16="http://schemas.microsoft.com/office/drawing/2014/main" xmlns="" id="{A599D722-3863-8046-9FC3-CE93B87BBF32}"/>
+                <a16:creationId xmlns="" xmlns:a16="http://schemas.microsoft.com/office/drawing/2014/main" id="{A599D722-3863-8046-9FC3-CE93B87BBF32}"/>
               </a:ext>
             </a:extLst>
           </p:cNvPr>
@@ -3931,7 +3931,7 @@
           <p:cNvPr id="2" name="竖排标题 1">
             <a:extLst>
               <a:ext uri="{FF2B5EF4-FFF2-40B4-BE49-F238E27FC236}">
-                <a16:creationId xmlns:a16="http://schemas.microsoft.com/office/drawing/2014/main" xmlns="" id="{94B92028-0E58-B44D-B89E-5D46EB57FE58}"/>
+                <a16:creationId xmlns="" xmlns:a16="http://schemas.microsoft.com/office/drawing/2014/main" id="{94B92028-0E58-B44D-B89E-5D46EB57FE58}"/>
               </a:ext>
             </a:extLst>
           </p:cNvPr>
@@ -3964,7 +3964,7 @@
           <p:cNvPr id="3" name="竖排文字占位符 2">
             <a:extLst>
               <a:ext uri="{FF2B5EF4-FFF2-40B4-BE49-F238E27FC236}">
-                <a16:creationId xmlns:a16="http://schemas.microsoft.com/office/drawing/2014/main" xmlns="" id="{9CEFD033-53CA-EB43-9856-F2DFBF4DD1D8}"/>
+                <a16:creationId xmlns="" xmlns:a16="http://schemas.microsoft.com/office/drawing/2014/main" id="{9CEFD033-53CA-EB43-9856-F2DFBF4DD1D8}"/>
               </a:ext>
             </a:extLst>
           </p:cNvPr>
@@ -4001,7 +4001,7 @@
           <p:cNvPr id="4" name="日期占位符 3">
             <a:extLst>
               <a:ext uri="{FF2B5EF4-FFF2-40B4-BE49-F238E27FC236}">
-                <a16:creationId xmlns:a16="http://schemas.microsoft.com/office/drawing/2014/main" xmlns="" id="{89C77EAB-3706-C84E-8D5E-179A27A93312}"/>
+                <a16:creationId xmlns="" xmlns:a16="http://schemas.microsoft.com/office/drawing/2014/main" id="{89C77EAB-3706-C84E-8D5E-179A27A93312}"/>
               </a:ext>
             </a:extLst>
           </p:cNvPr>
@@ -4043,7 +4043,7 @@
           <p:cNvPr id="5" name="页脚占位符 4">
             <a:extLst>
               <a:ext uri="{FF2B5EF4-FFF2-40B4-BE49-F238E27FC236}">
-                <a16:creationId xmlns:a16="http://schemas.microsoft.com/office/drawing/2014/main" xmlns="" id="{9712C132-DF90-B24D-9B94-98D474D1B7F5}"/>
+                <a16:creationId xmlns="" xmlns:a16="http://schemas.microsoft.com/office/drawing/2014/main" id="{9712C132-DF90-B24D-9B94-98D474D1B7F5}"/>
               </a:ext>
             </a:extLst>
           </p:cNvPr>
@@ -4074,7 +4074,7 @@
           <p:cNvPr id="6" name="灯片编号占位符 5">
             <a:extLst>
               <a:ext uri="{FF2B5EF4-FFF2-40B4-BE49-F238E27FC236}">
-                <a16:creationId xmlns:a16="http://schemas.microsoft.com/office/drawing/2014/main" xmlns="" id="{F92B2B7B-F789-C14F-B907-45594504BF7A}"/>
+                <a16:creationId xmlns="" xmlns:a16="http://schemas.microsoft.com/office/drawing/2014/main" id="{F92B2B7B-F789-C14F-B907-45594504BF7A}"/>
               </a:ext>
             </a:extLst>
           </p:cNvPr>
@@ -4146,7 +4146,7 @@
           <p:cNvPr id="2" name="标题 1">
             <a:extLst>
               <a:ext uri="{FF2B5EF4-FFF2-40B4-BE49-F238E27FC236}">
-                <a16:creationId xmlns:a16="http://schemas.microsoft.com/office/drawing/2014/main" xmlns="" id="{3007E182-424F-1E46-8A61-6B3B8DD5DAB8}"/>
+                <a16:creationId xmlns="" xmlns:a16="http://schemas.microsoft.com/office/drawing/2014/main" id="{3007E182-424F-1E46-8A61-6B3B8DD5DAB8}"/>
               </a:ext>
             </a:extLst>
           </p:cNvPr>
@@ -4183,7 +4183,7 @@
           <p:cNvPr id="3" name="副标题 2">
             <a:extLst>
               <a:ext uri="{FF2B5EF4-FFF2-40B4-BE49-F238E27FC236}">
-                <a16:creationId xmlns:a16="http://schemas.microsoft.com/office/drawing/2014/main" xmlns="" id="{4F97A7B9-5CB8-204D-9BEB-C5AB46E01E3E}"/>
+                <a16:creationId xmlns="" xmlns:a16="http://schemas.microsoft.com/office/drawing/2014/main" id="{4F97A7B9-5CB8-204D-9BEB-C5AB46E01E3E}"/>
               </a:ext>
             </a:extLst>
           </p:cNvPr>
@@ -4253,7 +4253,7 @@
           <p:cNvPr id="4" name="日期占位符 3">
             <a:extLst>
               <a:ext uri="{FF2B5EF4-FFF2-40B4-BE49-F238E27FC236}">
-                <a16:creationId xmlns:a16="http://schemas.microsoft.com/office/drawing/2014/main" xmlns="" id="{8EC600D1-7E22-AB45-8FA1-F46312682F3C}"/>
+                <a16:creationId xmlns="" xmlns:a16="http://schemas.microsoft.com/office/drawing/2014/main" id="{8EC600D1-7E22-AB45-8FA1-F46312682F3C}"/>
               </a:ext>
             </a:extLst>
           </p:cNvPr>
@@ -4295,7 +4295,7 @@
           <p:cNvPr id="5" name="页脚占位符 4">
             <a:extLst>
               <a:ext uri="{FF2B5EF4-FFF2-40B4-BE49-F238E27FC236}">
-                <a16:creationId xmlns:a16="http://schemas.microsoft.com/office/drawing/2014/main" xmlns="" id="{3C7E3A29-C97C-0044-81F0-C8B5968622D8}"/>
+                <a16:creationId xmlns="" xmlns:a16="http://schemas.microsoft.com/office/drawing/2014/main" id="{3C7E3A29-C97C-0044-81F0-C8B5968622D8}"/>
               </a:ext>
             </a:extLst>
           </p:cNvPr>
@@ -4326,7 +4326,7 @@
           <p:cNvPr id="6" name="灯片编号占位符 5">
             <a:extLst>
               <a:ext uri="{FF2B5EF4-FFF2-40B4-BE49-F238E27FC236}">
-                <a16:creationId xmlns:a16="http://schemas.microsoft.com/office/drawing/2014/main" xmlns="" id="{42A38D70-F6F0-EA4F-A9EF-0C82D1565FEE}"/>
+                <a16:creationId xmlns="" xmlns:a16="http://schemas.microsoft.com/office/drawing/2014/main" id="{42A38D70-F6F0-EA4F-A9EF-0C82D1565FEE}"/>
               </a:ext>
             </a:extLst>
           </p:cNvPr>
@@ -4398,7 +4398,7 @@
           <p:cNvPr id="2" name="标题 1">
             <a:extLst>
               <a:ext uri="{FF2B5EF4-FFF2-40B4-BE49-F238E27FC236}">
-                <a16:creationId xmlns:a16="http://schemas.microsoft.com/office/drawing/2014/main" xmlns="" id="{F8AED517-1AE4-0F4F-9BF9-5E7D17765CF3}"/>
+                <a16:creationId xmlns="" xmlns:a16="http://schemas.microsoft.com/office/drawing/2014/main" id="{F8AED517-1AE4-0F4F-9BF9-5E7D17765CF3}"/>
               </a:ext>
             </a:extLst>
           </p:cNvPr>
@@ -4426,7 +4426,7 @@
           <p:cNvPr id="3" name="内容占位符 2">
             <a:extLst>
               <a:ext uri="{FF2B5EF4-FFF2-40B4-BE49-F238E27FC236}">
-                <a16:creationId xmlns:a16="http://schemas.microsoft.com/office/drawing/2014/main" xmlns="" id="{926EC8C4-5AC6-574C-817A-8164B1929791}"/>
+                <a16:creationId xmlns="" xmlns:a16="http://schemas.microsoft.com/office/drawing/2014/main" id="{926EC8C4-5AC6-574C-817A-8164B1929791}"/>
               </a:ext>
             </a:extLst>
           </p:cNvPr>
@@ -4458,7 +4458,7 @@
           <p:cNvPr id="4" name="日期占位符 3">
             <a:extLst>
               <a:ext uri="{FF2B5EF4-FFF2-40B4-BE49-F238E27FC236}">
-                <a16:creationId xmlns:a16="http://schemas.microsoft.com/office/drawing/2014/main" xmlns="" id="{E532ED69-1DB4-2E48-B81C-935A640C3C5B}"/>
+                <a16:creationId xmlns="" xmlns:a16="http://schemas.microsoft.com/office/drawing/2014/main" id="{E532ED69-1DB4-2E48-B81C-935A640C3C5B}"/>
               </a:ext>
             </a:extLst>
           </p:cNvPr>
@@ -4500,7 +4500,7 @@
           <p:cNvPr id="5" name="页脚占位符 4">
             <a:extLst>
               <a:ext uri="{FF2B5EF4-FFF2-40B4-BE49-F238E27FC236}">
-                <a16:creationId xmlns:a16="http://schemas.microsoft.com/office/drawing/2014/main" xmlns="" id="{44E05265-5B80-A246-8D5C-414E8456D416}"/>
+                <a16:creationId xmlns="" xmlns:a16="http://schemas.microsoft.com/office/drawing/2014/main" id="{44E05265-5B80-A246-8D5C-414E8456D416}"/>
               </a:ext>
             </a:extLst>
           </p:cNvPr>
@@ -4531,7 +4531,7 @@
           <p:cNvPr id="6" name="灯片编号占位符 5">
             <a:extLst>
               <a:ext uri="{FF2B5EF4-FFF2-40B4-BE49-F238E27FC236}">
-                <a16:creationId xmlns:a16="http://schemas.microsoft.com/office/drawing/2014/main" xmlns="" id="{7616FFAB-802F-A641-B9D1-AB831B72BA18}"/>
+                <a16:creationId xmlns="" xmlns:a16="http://schemas.microsoft.com/office/drawing/2014/main" id="{7616FFAB-802F-A641-B9D1-AB831B72BA18}"/>
               </a:ext>
             </a:extLst>
           </p:cNvPr>
@@ -4603,7 +4603,7 @@
           <p:cNvPr id="2" name="标题 1">
             <a:extLst>
               <a:ext uri="{FF2B5EF4-FFF2-40B4-BE49-F238E27FC236}">
-                <a16:creationId xmlns:a16="http://schemas.microsoft.com/office/drawing/2014/main" xmlns="" id="{D30C984F-E6D7-4A4C-A8FD-173BAFF4198E}"/>
+                <a16:creationId xmlns="" xmlns:a16="http://schemas.microsoft.com/office/drawing/2014/main" id="{D30C984F-E6D7-4A4C-A8FD-173BAFF4198E}"/>
               </a:ext>
             </a:extLst>
           </p:cNvPr>
@@ -4640,7 +4640,7 @@
           <p:cNvPr id="3" name="文本占位符 2">
             <a:extLst>
               <a:ext uri="{FF2B5EF4-FFF2-40B4-BE49-F238E27FC236}">
-                <a16:creationId xmlns:a16="http://schemas.microsoft.com/office/drawing/2014/main" xmlns="" id="{3B703AF3-FD3F-CE45-BFE2-23FB51CD6D13}"/>
+                <a16:creationId xmlns="" xmlns:a16="http://schemas.microsoft.com/office/drawing/2014/main" id="{3B703AF3-FD3F-CE45-BFE2-23FB51CD6D13}"/>
               </a:ext>
             </a:extLst>
           </p:cNvPr>
@@ -4768,7 +4768,7 @@
           <p:cNvPr id="4" name="日期占位符 3">
             <a:extLst>
               <a:ext uri="{FF2B5EF4-FFF2-40B4-BE49-F238E27FC236}">
-                <a16:creationId xmlns:a16="http://schemas.microsoft.com/office/drawing/2014/main" xmlns="" id="{8E3B00AD-8FA9-D741-9B2C-FD95CA0EC8E2}"/>
+                <a16:creationId xmlns="" xmlns:a16="http://schemas.microsoft.com/office/drawing/2014/main" id="{8E3B00AD-8FA9-D741-9B2C-FD95CA0EC8E2}"/>
               </a:ext>
             </a:extLst>
           </p:cNvPr>
@@ -4810,7 +4810,7 @@
           <p:cNvPr id="5" name="页脚占位符 4">
             <a:extLst>
               <a:ext uri="{FF2B5EF4-FFF2-40B4-BE49-F238E27FC236}">
-                <a16:creationId xmlns:a16="http://schemas.microsoft.com/office/drawing/2014/main" xmlns="" id="{9E63DA56-44E5-F944-93BE-BD1B5B940543}"/>
+                <a16:creationId xmlns="" xmlns:a16="http://schemas.microsoft.com/office/drawing/2014/main" id="{9E63DA56-44E5-F944-93BE-BD1B5B940543}"/>
               </a:ext>
             </a:extLst>
           </p:cNvPr>
@@ -4841,7 +4841,7 @@
           <p:cNvPr id="6" name="灯片编号占位符 5">
             <a:extLst>
               <a:ext uri="{FF2B5EF4-FFF2-40B4-BE49-F238E27FC236}">
-                <a16:creationId xmlns:a16="http://schemas.microsoft.com/office/drawing/2014/main" xmlns="" id="{AC9B2C9D-4F71-2F46-8C40-22B71D0B3C96}"/>
+                <a16:creationId xmlns="" xmlns:a16="http://schemas.microsoft.com/office/drawing/2014/main" id="{AC9B2C9D-4F71-2F46-8C40-22B71D0B3C96}"/>
               </a:ext>
             </a:extLst>
           </p:cNvPr>
@@ -4913,7 +4913,7 @@
           <p:cNvPr id="2" name="标题 1">
             <a:extLst>
               <a:ext uri="{FF2B5EF4-FFF2-40B4-BE49-F238E27FC236}">
-                <a16:creationId xmlns:a16="http://schemas.microsoft.com/office/drawing/2014/main" xmlns="" id="{D024BBB9-C450-7346-95E6-1C34447698ED}"/>
+                <a16:creationId xmlns="" xmlns:a16="http://schemas.microsoft.com/office/drawing/2014/main" id="{D024BBB9-C450-7346-95E6-1C34447698ED}"/>
               </a:ext>
             </a:extLst>
           </p:cNvPr>
@@ -4941,7 +4941,7 @@
           <p:cNvPr id="3" name="内容占位符 2">
             <a:extLst>
               <a:ext uri="{FF2B5EF4-FFF2-40B4-BE49-F238E27FC236}">
-                <a16:creationId xmlns:a16="http://schemas.microsoft.com/office/drawing/2014/main" xmlns="" id="{F9BBDEF6-6366-2A4C-AC90-0B918F26E5CD}"/>
+                <a16:creationId xmlns="" xmlns:a16="http://schemas.microsoft.com/office/drawing/2014/main" id="{F9BBDEF6-6366-2A4C-AC90-0B918F26E5CD}"/>
               </a:ext>
             </a:extLst>
           </p:cNvPr>
@@ -4978,7 +4978,7 @@
           <p:cNvPr id="4" name="内容占位符 3">
             <a:extLst>
               <a:ext uri="{FF2B5EF4-FFF2-40B4-BE49-F238E27FC236}">
-                <a16:creationId xmlns:a16="http://schemas.microsoft.com/office/drawing/2014/main" xmlns="" id="{D7D98105-17F7-DB49-BDD3-0F3631451AFA}"/>
+                <a16:creationId xmlns="" xmlns:a16="http://schemas.microsoft.com/office/drawing/2014/main" id="{D7D98105-17F7-DB49-BDD3-0F3631451AFA}"/>
               </a:ext>
             </a:extLst>
           </p:cNvPr>
@@ -5015,7 +5015,7 @@
           <p:cNvPr id="5" name="日期占位符 4">
             <a:extLst>
               <a:ext uri="{FF2B5EF4-FFF2-40B4-BE49-F238E27FC236}">
-                <a16:creationId xmlns:a16="http://schemas.microsoft.com/office/drawing/2014/main" xmlns="" id="{A4D487CB-52F2-5C45-82CC-A9DCCFA519C5}"/>
+                <a16:creationId xmlns="" xmlns:a16="http://schemas.microsoft.com/office/drawing/2014/main" id="{A4D487CB-52F2-5C45-82CC-A9DCCFA519C5}"/>
               </a:ext>
             </a:extLst>
           </p:cNvPr>
@@ -5057,7 +5057,7 @@
           <p:cNvPr id="6" name="页脚占位符 5">
             <a:extLst>
               <a:ext uri="{FF2B5EF4-FFF2-40B4-BE49-F238E27FC236}">
-                <a16:creationId xmlns:a16="http://schemas.microsoft.com/office/drawing/2014/main" xmlns="" id="{9DA3D96B-B6D7-CE46-A793-9584556B8245}"/>
+                <a16:creationId xmlns="" xmlns:a16="http://schemas.microsoft.com/office/drawing/2014/main" id="{9DA3D96B-B6D7-CE46-A793-9584556B8245}"/>
               </a:ext>
             </a:extLst>
           </p:cNvPr>
@@ -5088,7 +5088,7 @@
           <p:cNvPr id="7" name="灯片编号占位符 6">
             <a:extLst>
               <a:ext uri="{FF2B5EF4-FFF2-40B4-BE49-F238E27FC236}">
-                <a16:creationId xmlns:a16="http://schemas.microsoft.com/office/drawing/2014/main" xmlns="" id="{D26FC319-7314-0C46-AB4D-6E6AB98272CA}"/>
+                <a16:creationId xmlns="" xmlns:a16="http://schemas.microsoft.com/office/drawing/2014/main" id="{D26FC319-7314-0C46-AB4D-6E6AB98272CA}"/>
               </a:ext>
             </a:extLst>
           </p:cNvPr>
@@ -5160,7 +5160,7 @@
           <p:cNvPr id="2" name="标题 1">
             <a:extLst>
               <a:ext uri="{FF2B5EF4-FFF2-40B4-BE49-F238E27FC236}">
-                <a16:creationId xmlns:a16="http://schemas.microsoft.com/office/drawing/2014/main" xmlns="" id="{03861BF1-3F7A-6C4E-AA12-12F10CAACFBD}"/>
+                <a16:creationId xmlns="" xmlns:a16="http://schemas.microsoft.com/office/drawing/2014/main" id="{03861BF1-3F7A-6C4E-AA12-12F10CAACFBD}"/>
               </a:ext>
             </a:extLst>
           </p:cNvPr>
@@ -5193,7 +5193,7 @@
           <p:cNvPr id="3" name="文本占位符 2">
             <a:extLst>
               <a:ext uri="{FF2B5EF4-FFF2-40B4-BE49-F238E27FC236}">
-                <a16:creationId xmlns:a16="http://schemas.microsoft.com/office/drawing/2014/main" xmlns="" id="{B095E9CA-1C1A-B947-88E3-BDA337113C48}"/>
+                <a16:creationId xmlns="" xmlns:a16="http://schemas.microsoft.com/office/drawing/2014/main" id="{B095E9CA-1C1A-B947-88E3-BDA337113C48}"/>
               </a:ext>
             </a:extLst>
           </p:cNvPr>
@@ -5267,7 +5267,7 @@
           <p:cNvPr id="4" name="内容占位符 3">
             <a:extLst>
               <a:ext uri="{FF2B5EF4-FFF2-40B4-BE49-F238E27FC236}">
-                <a16:creationId xmlns:a16="http://schemas.microsoft.com/office/drawing/2014/main" xmlns="" id="{2BF64191-FAF9-EB4C-9FB7-89D104187856}"/>
+                <a16:creationId xmlns="" xmlns:a16="http://schemas.microsoft.com/office/drawing/2014/main" id="{2BF64191-FAF9-EB4C-9FB7-89D104187856}"/>
               </a:ext>
             </a:extLst>
           </p:cNvPr>
@@ -5304,7 +5304,7 @@
           <p:cNvPr id="5" name="文本占位符 4">
             <a:extLst>
               <a:ext uri="{FF2B5EF4-FFF2-40B4-BE49-F238E27FC236}">
-                <a16:creationId xmlns:a16="http://schemas.microsoft.com/office/drawing/2014/main" xmlns="" id="{82D35D5D-A768-E440-8F66-6E885F2ECCEC}"/>
+                <a16:creationId xmlns="" xmlns:a16="http://schemas.microsoft.com/office/drawing/2014/main" id="{82D35D5D-A768-E440-8F66-6E885F2ECCEC}"/>
               </a:ext>
             </a:extLst>
           </p:cNvPr>
@@ -5378,7 +5378,7 @@
           <p:cNvPr id="6" name="内容占位符 5">
             <a:extLst>
               <a:ext uri="{FF2B5EF4-FFF2-40B4-BE49-F238E27FC236}">
-                <a16:creationId xmlns:a16="http://schemas.microsoft.com/office/drawing/2014/main" xmlns="" id="{F306992C-EDD5-3D4A-97EC-B8AD0C9E57F8}"/>
+                <a16:creationId xmlns="" xmlns:a16="http://schemas.microsoft.com/office/drawing/2014/main" id="{F306992C-EDD5-3D4A-97EC-B8AD0C9E57F8}"/>
               </a:ext>
             </a:extLst>
           </p:cNvPr>
@@ -5415,7 +5415,7 @@
           <p:cNvPr id="7" name="日期占位符 6">
             <a:extLst>
               <a:ext uri="{FF2B5EF4-FFF2-40B4-BE49-F238E27FC236}">
-                <a16:creationId xmlns:a16="http://schemas.microsoft.com/office/drawing/2014/main" xmlns="" id="{103DE410-C4CC-BB43-8A2F-B17020754219}"/>
+                <a16:creationId xmlns="" xmlns:a16="http://schemas.microsoft.com/office/drawing/2014/main" id="{103DE410-C4CC-BB43-8A2F-B17020754219}"/>
               </a:ext>
             </a:extLst>
           </p:cNvPr>
@@ -5457,7 +5457,7 @@
           <p:cNvPr id="8" name="页脚占位符 7">
             <a:extLst>
               <a:ext uri="{FF2B5EF4-FFF2-40B4-BE49-F238E27FC236}">
-                <a16:creationId xmlns:a16="http://schemas.microsoft.com/office/drawing/2014/main" xmlns="" id="{10456202-ADA5-CA4C-B280-84819E5F9C10}"/>
+                <a16:creationId xmlns="" xmlns:a16="http://schemas.microsoft.com/office/drawing/2014/main" id="{10456202-ADA5-CA4C-B280-84819E5F9C10}"/>
               </a:ext>
             </a:extLst>
           </p:cNvPr>
@@ -5488,7 +5488,7 @@
           <p:cNvPr id="9" name="灯片编号占位符 8">
             <a:extLst>
               <a:ext uri="{FF2B5EF4-FFF2-40B4-BE49-F238E27FC236}">
-                <a16:creationId xmlns:a16="http://schemas.microsoft.com/office/drawing/2014/main" xmlns="" id="{3505C21C-6422-2B45-86EA-B0880C4612F2}"/>
+                <a16:creationId xmlns="" xmlns:a16="http://schemas.microsoft.com/office/drawing/2014/main" id="{3505C21C-6422-2B45-86EA-B0880C4612F2}"/>
               </a:ext>
             </a:extLst>
           </p:cNvPr>
@@ -5560,7 +5560,7 @@
           <p:cNvPr id="2" name="标题 1">
             <a:extLst>
               <a:ext uri="{FF2B5EF4-FFF2-40B4-BE49-F238E27FC236}">
-                <a16:creationId xmlns:a16="http://schemas.microsoft.com/office/drawing/2014/main" xmlns="" id="{DC85AADD-B616-0849-801E-25D47037600E}"/>
+                <a16:creationId xmlns="" xmlns:a16="http://schemas.microsoft.com/office/drawing/2014/main" id="{DC85AADD-B616-0849-801E-25D47037600E}"/>
               </a:ext>
             </a:extLst>
           </p:cNvPr>
@@ -5588,7 +5588,7 @@
           <p:cNvPr id="3" name="日期占位符 2">
             <a:extLst>
               <a:ext uri="{FF2B5EF4-FFF2-40B4-BE49-F238E27FC236}">
-                <a16:creationId xmlns:a16="http://schemas.microsoft.com/office/drawing/2014/main" xmlns="" id="{293750D0-7F52-4541-BA9C-3620462E42D0}"/>
+                <a16:creationId xmlns="" xmlns:a16="http://schemas.microsoft.com/office/drawing/2014/main" id="{293750D0-7F52-4541-BA9C-3620462E42D0}"/>
               </a:ext>
             </a:extLst>
           </p:cNvPr>
@@ -5630,7 +5630,7 @@
           <p:cNvPr id="4" name="页脚占位符 3">
             <a:extLst>
               <a:ext uri="{FF2B5EF4-FFF2-40B4-BE49-F238E27FC236}">
-                <a16:creationId xmlns:a16="http://schemas.microsoft.com/office/drawing/2014/main" xmlns="" id="{E9728C92-BB5A-284A-B2B9-A7FC7B34BAFE}"/>
+                <a16:creationId xmlns="" xmlns:a16="http://schemas.microsoft.com/office/drawing/2014/main" id="{E9728C92-BB5A-284A-B2B9-A7FC7B34BAFE}"/>
               </a:ext>
             </a:extLst>
           </p:cNvPr>
@@ -5661,7 +5661,7 @@
           <p:cNvPr id="5" name="灯片编号占位符 4">
             <a:extLst>
               <a:ext uri="{FF2B5EF4-FFF2-40B4-BE49-F238E27FC236}">
-                <a16:creationId xmlns:a16="http://schemas.microsoft.com/office/drawing/2014/main" xmlns="" id="{29632FBC-0CA2-5A44-81B1-37448EBC4462}"/>
+                <a16:creationId xmlns="" xmlns:a16="http://schemas.microsoft.com/office/drawing/2014/main" id="{29632FBC-0CA2-5A44-81B1-37448EBC4462}"/>
               </a:ext>
             </a:extLst>
           </p:cNvPr>
@@ -5733,7 +5733,7 @@
           <p:cNvPr id="2" name="日期占位符 1">
             <a:extLst>
               <a:ext uri="{FF2B5EF4-FFF2-40B4-BE49-F238E27FC236}">
-                <a16:creationId xmlns:a16="http://schemas.microsoft.com/office/drawing/2014/main" xmlns="" id="{67B29698-1C42-5946-848E-C5E5651FC249}"/>
+                <a16:creationId xmlns="" xmlns:a16="http://schemas.microsoft.com/office/drawing/2014/main" id="{67B29698-1C42-5946-848E-C5E5651FC249}"/>
               </a:ext>
             </a:extLst>
           </p:cNvPr>
@@ -5775,7 +5775,7 @@
           <p:cNvPr id="3" name="页脚占位符 2">
             <a:extLst>
               <a:ext uri="{FF2B5EF4-FFF2-40B4-BE49-F238E27FC236}">
-                <a16:creationId xmlns:a16="http://schemas.microsoft.com/office/drawing/2014/main" xmlns="" id="{E9FFDF03-BF30-C14E-8B8C-CB9CDD4EAD90}"/>
+                <a16:creationId xmlns="" xmlns:a16="http://schemas.microsoft.com/office/drawing/2014/main" id="{E9FFDF03-BF30-C14E-8B8C-CB9CDD4EAD90}"/>
               </a:ext>
             </a:extLst>
           </p:cNvPr>
@@ -5806,7 +5806,7 @@
           <p:cNvPr id="4" name="灯片编号占位符 3">
             <a:extLst>
               <a:ext uri="{FF2B5EF4-FFF2-40B4-BE49-F238E27FC236}">
-                <a16:creationId xmlns:a16="http://schemas.microsoft.com/office/drawing/2014/main" xmlns="" id="{788C4B5E-3073-FD42-9FCD-435AFF7B93F6}"/>
+                <a16:creationId xmlns="" xmlns:a16="http://schemas.microsoft.com/office/drawing/2014/main" id="{788C4B5E-3073-FD42-9FCD-435AFF7B93F6}"/>
               </a:ext>
             </a:extLst>
           </p:cNvPr>
@@ -5878,7 +5878,7 @@
           <p:cNvPr id="2" name="标题 1">
             <a:extLst>
               <a:ext uri="{FF2B5EF4-FFF2-40B4-BE49-F238E27FC236}">
-                <a16:creationId xmlns:a16="http://schemas.microsoft.com/office/drawing/2014/main" xmlns="" id="{61DA4CD0-F33E-CC47-95F3-F988B8958907}"/>
+                <a16:creationId xmlns="" xmlns:a16="http://schemas.microsoft.com/office/drawing/2014/main" id="{61DA4CD0-F33E-CC47-95F3-F988B8958907}"/>
               </a:ext>
             </a:extLst>
           </p:cNvPr>
@@ -5915,7 +5915,7 @@
           <p:cNvPr id="3" name="文本占位符 2">
             <a:extLst>
               <a:ext uri="{FF2B5EF4-FFF2-40B4-BE49-F238E27FC236}">
-                <a16:creationId xmlns:a16="http://schemas.microsoft.com/office/drawing/2014/main" xmlns="" id="{2BFD729F-B2A4-F84D-BCAD-31F92E387064}"/>
+                <a16:creationId xmlns="" xmlns:a16="http://schemas.microsoft.com/office/drawing/2014/main" id="{2BFD729F-B2A4-F84D-BCAD-31F92E387064}"/>
               </a:ext>
             </a:extLst>
           </p:cNvPr>
@@ -6043,7 +6043,7 @@
           <p:cNvPr id="4" name="日期占位符 3">
             <a:extLst>
               <a:ext uri="{FF2B5EF4-FFF2-40B4-BE49-F238E27FC236}">
-                <a16:creationId xmlns:a16="http://schemas.microsoft.com/office/drawing/2014/main" xmlns="" id="{26373E95-8F20-8948-BC0F-08F9B36819FD}"/>
+                <a16:creationId xmlns="" xmlns:a16="http://schemas.microsoft.com/office/drawing/2014/main" id="{26373E95-8F20-8948-BC0F-08F9B36819FD}"/>
               </a:ext>
             </a:extLst>
           </p:cNvPr>
@@ -6072,7 +6072,7 @@
           <p:cNvPr id="5" name="页脚占位符 4">
             <a:extLst>
               <a:ext uri="{FF2B5EF4-FFF2-40B4-BE49-F238E27FC236}">
-                <a16:creationId xmlns:a16="http://schemas.microsoft.com/office/drawing/2014/main" xmlns="" id="{4214978D-14C0-6E41-AD12-2BBEA3C2D56E}"/>
+                <a16:creationId xmlns="" xmlns:a16="http://schemas.microsoft.com/office/drawing/2014/main" id="{4214978D-14C0-6E41-AD12-2BBEA3C2D56E}"/>
               </a:ext>
             </a:extLst>
           </p:cNvPr>
@@ -6097,7 +6097,7 @@
           <p:cNvPr id="6" name="灯片编号占位符 5">
             <a:extLst>
               <a:ext uri="{FF2B5EF4-FFF2-40B4-BE49-F238E27FC236}">
-                <a16:creationId xmlns:a16="http://schemas.microsoft.com/office/drawing/2014/main" xmlns="" id="{16DB7B1A-CB62-5F49-A094-5BFA88E46881}"/>
+                <a16:creationId xmlns="" xmlns:a16="http://schemas.microsoft.com/office/drawing/2014/main" id="{16DB7B1A-CB62-5F49-A094-5BFA88E46881}"/>
               </a:ext>
             </a:extLst>
           </p:cNvPr>
@@ -6156,7 +6156,7 @@
           <p:cNvPr id="2" name="标题 1">
             <a:extLst>
               <a:ext uri="{FF2B5EF4-FFF2-40B4-BE49-F238E27FC236}">
-                <a16:creationId xmlns:a16="http://schemas.microsoft.com/office/drawing/2014/main" xmlns="" id="{C21CBAFD-433C-004A-BDCE-1F69C63ECB71}"/>
+                <a16:creationId xmlns="" xmlns:a16="http://schemas.microsoft.com/office/drawing/2014/main" id="{C21CBAFD-433C-004A-BDCE-1F69C63ECB71}"/>
               </a:ext>
             </a:extLst>
           </p:cNvPr>
@@ -6193,7 +6193,7 @@
           <p:cNvPr id="3" name="内容占位符 2">
             <a:extLst>
               <a:ext uri="{FF2B5EF4-FFF2-40B4-BE49-F238E27FC236}">
-                <a16:creationId xmlns:a16="http://schemas.microsoft.com/office/drawing/2014/main" xmlns="" id="{55C79ED4-BF30-EA40-87DA-9942CA90CFC2}"/>
+                <a16:creationId xmlns="" xmlns:a16="http://schemas.microsoft.com/office/drawing/2014/main" id="{55C79ED4-BF30-EA40-87DA-9942CA90CFC2}"/>
               </a:ext>
             </a:extLst>
           </p:cNvPr>
@@ -6258,7 +6258,7 @@
           <p:cNvPr id="4" name="文本占位符 3">
             <a:extLst>
               <a:ext uri="{FF2B5EF4-FFF2-40B4-BE49-F238E27FC236}">
-                <a16:creationId xmlns:a16="http://schemas.microsoft.com/office/drawing/2014/main" xmlns="" id="{CE33A936-ACFE-C04E-B1CA-AE4182B791A3}"/>
+                <a16:creationId xmlns="" xmlns:a16="http://schemas.microsoft.com/office/drawing/2014/main" id="{CE33A936-ACFE-C04E-B1CA-AE4182B791A3}"/>
               </a:ext>
             </a:extLst>
           </p:cNvPr>
@@ -6332,7 +6332,7 @@
           <p:cNvPr id="5" name="日期占位符 4">
             <a:extLst>
               <a:ext uri="{FF2B5EF4-FFF2-40B4-BE49-F238E27FC236}">
-                <a16:creationId xmlns:a16="http://schemas.microsoft.com/office/drawing/2014/main" xmlns="" id="{E74C5855-594B-EC42-97AA-F1247632A8D4}"/>
+                <a16:creationId xmlns="" xmlns:a16="http://schemas.microsoft.com/office/drawing/2014/main" id="{E74C5855-594B-EC42-97AA-F1247632A8D4}"/>
               </a:ext>
             </a:extLst>
           </p:cNvPr>
@@ -6374,7 +6374,7 @@
           <p:cNvPr id="6" name="页脚占位符 5">
             <a:extLst>
               <a:ext uri="{FF2B5EF4-FFF2-40B4-BE49-F238E27FC236}">
-                <a16:creationId xmlns:a16="http://schemas.microsoft.com/office/drawing/2014/main" xmlns="" id="{9EA85E9B-530F-FC40-ABD7-50D35ADD7732}"/>
+                <a16:creationId xmlns="" xmlns:a16="http://schemas.microsoft.com/office/drawing/2014/main" id="{9EA85E9B-530F-FC40-ABD7-50D35ADD7732}"/>
               </a:ext>
             </a:extLst>
           </p:cNvPr>
@@ -6405,7 +6405,7 @@
           <p:cNvPr id="7" name="灯片编号占位符 6">
             <a:extLst>
               <a:ext uri="{FF2B5EF4-FFF2-40B4-BE49-F238E27FC236}">
-                <a16:creationId xmlns:a16="http://schemas.microsoft.com/office/drawing/2014/main" xmlns="" id="{51B9C74C-7357-F147-BD13-A8E62ACAE4CA}"/>
+                <a16:creationId xmlns="" xmlns:a16="http://schemas.microsoft.com/office/drawing/2014/main" id="{51B9C74C-7357-F147-BD13-A8E62ACAE4CA}"/>
               </a:ext>
             </a:extLst>
           </p:cNvPr>
@@ -6477,7 +6477,7 @@
           <p:cNvPr id="2" name="标题 1">
             <a:extLst>
               <a:ext uri="{FF2B5EF4-FFF2-40B4-BE49-F238E27FC236}">
-                <a16:creationId xmlns:a16="http://schemas.microsoft.com/office/drawing/2014/main" xmlns="" id="{2EE0A4DE-5926-E643-ABCF-D82483E6AE69}"/>
+                <a16:creationId xmlns="" xmlns:a16="http://schemas.microsoft.com/office/drawing/2014/main" id="{2EE0A4DE-5926-E643-ABCF-D82483E6AE69}"/>
               </a:ext>
             </a:extLst>
           </p:cNvPr>
@@ -6514,7 +6514,7 @@
           <p:cNvPr id="3" name="图片占位符 2">
             <a:extLst>
               <a:ext uri="{FF2B5EF4-FFF2-40B4-BE49-F238E27FC236}">
-                <a16:creationId xmlns:a16="http://schemas.microsoft.com/office/drawing/2014/main" xmlns="" id="{994F052C-4408-614D-A904-9E238FE95B08}"/>
+                <a16:creationId xmlns="" xmlns:a16="http://schemas.microsoft.com/office/drawing/2014/main" id="{994F052C-4408-614D-A904-9E238FE95B08}"/>
               </a:ext>
             </a:extLst>
           </p:cNvPr>
@@ -6581,7 +6581,7 @@
           <p:cNvPr id="4" name="文本占位符 3">
             <a:extLst>
               <a:ext uri="{FF2B5EF4-FFF2-40B4-BE49-F238E27FC236}">
-                <a16:creationId xmlns:a16="http://schemas.microsoft.com/office/drawing/2014/main" xmlns="" id="{7086A727-B753-7743-BDD0-B313FDB6BED1}"/>
+                <a16:creationId xmlns="" xmlns:a16="http://schemas.microsoft.com/office/drawing/2014/main" id="{7086A727-B753-7743-BDD0-B313FDB6BED1}"/>
               </a:ext>
             </a:extLst>
           </p:cNvPr>
@@ -6655,7 +6655,7 @@
           <p:cNvPr id="5" name="日期占位符 4">
             <a:extLst>
               <a:ext uri="{FF2B5EF4-FFF2-40B4-BE49-F238E27FC236}">
-                <a16:creationId xmlns:a16="http://schemas.microsoft.com/office/drawing/2014/main" xmlns="" id="{27811887-36A7-B44B-BFCA-0F63C5E15A76}"/>
+                <a16:creationId xmlns="" xmlns:a16="http://schemas.microsoft.com/office/drawing/2014/main" id="{27811887-36A7-B44B-BFCA-0F63C5E15A76}"/>
               </a:ext>
             </a:extLst>
           </p:cNvPr>
@@ -6697,7 +6697,7 @@
           <p:cNvPr id="6" name="页脚占位符 5">
             <a:extLst>
               <a:ext uri="{FF2B5EF4-FFF2-40B4-BE49-F238E27FC236}">
-                <a16:creationId xmlns:a16="http://schemas.microsoft.com/office/drawing/2014/main" xmlns="" id="{B8FB11E4-83E0-1640-9A8B-8F2A04E64A9E}"/>
+                <a16:creationId xmlns="" xmlns:a16="http://schemas.microsoft.com/office/drawing/2014/main" id="{B8FB11E4-83E0-1640-9A8B-8F2A04E64A9E}"/>
               </a:ext>
             </a:extLst>
           </p:cNvPr>
@@ -6728,7 +6728,7 @@
           <p:cNvPr id="7" name="灯片编号占位符 6">
             <a:extLst>
               <a:ext uri="{FF2B5EF4-FFF2-40B4-BE49-F238E27FC236}">
-                <a16:creationId xmlns:a16="http://schemas.microsoft.com/office/drawing/2014/main" xmlns="" id="{FDE25C3F-3423-6941-B439-627E84EB3E63}"/>
+                <a16:creationId xmlns="" xmlns:a16="http://schemas.microsoft.com/office/drawing/2014/main" id="{FDE25C3F-3423-6941-B439-627E84EB3E63}"/>
               </a:ext>
             </a:extLst>
           </p:cNvPr>
@@ -6800,7 +6800,7 @@
           <p:cNvPr id="2" name="标题 1">
             <a:extLst>
               <a:ext uri="{FF2B5EF4-FFF2-40B4-BE49-F238E27FC236}">
-                <a16:creationId xmlns:a16="http://schemas.microsoft.com/office/drawing/2014/main" xmlns="" id="{064F77F4-F522-FA41-B7CF-2BC4CDCBFF52}"/>
+                <a16:creationId xmlns="" xmlns:a16="http://schemas.microsoft.com/office/drawing/2014/main" id="{064F77F4-F522-FA41-B7CF-2BC4CDCBFF52}"/>
               </a:ext>
             </a:extLst>
           </p:cNvPr>
@@ -6828,7 +6828,7 @@
           <p:cNvPr id="3" name="竖排文字占位符 2">
             <a:extLst>
               <a:ext uri="{FF2B5EF4-FFF2-40B4-BE49-F238E27FC236}">
-                <a16:creationId xmlns:a16="http://schemas.microsoft.com/office/drawing/2014/main" xmlns="" id="{D95D2B81-149C-4844-A8E4-D120191518EC}"/>
+                <a16:creationId xmlns="" xmlns:a16="http://schemas.microsoft.com/office/drawing/2014/main" id="{D95D2B81-149C-4844-A8E4-D120191518EC}"/>
               </a:ext>
             </a:extLst>
           </p:cNvPr>
@@ -6860,7 +6860,7 @@
           <p:cNvPr id="4" name="日期占位符 3">
             <a:extLst>
               <a:ext uri="{FF2B5EF4-FFF2-40B4-BE49-F238E27FC236}">
-                <a16:creationId xmlns:a16="http://schemas.microsoft.com/office/drawing/2014/main" xmlns="" id="{9F3D99AA-3171-C34D-AB57-B397C31BED46}"/>
+                <a16:creationId xmlns="" xmlns:a16="http://schemas.microsoft.com/office/drawing/2014/main" id="{9F3D99AA-3171-C34D-AB57-B397C31BED46}"/>
               </a:ext>
             </a:extLst>
           </p:cNvPr>
@@ -6902,7 +6902,7 @@
           <p:cNvPr id="5" name="页脚占位符 4">
             <a:extLst>
               <a:ext uri="{FF2B5EF4-FFF2-40B4-BE49-F238E27FC236}">
-                <a16:creationId xmlns:a16="http://schemas.microsoft.com/office/drawing/2014/main" xmlns="" id="{8071018C-F78B-ED4A-B751-483DEE71D674}"/>
+                <a16:creationId xmlns="" xmlns:a16="http://schemas.microsoft.com/office/drawing/2014/main" id="{8071018C-F78B-ED4A-B751-483DEE71D674}"/>
               </a:ext>
             </a:extLst>
           </p:cNvPr>
@@ -6933,7 +6933,7 @@
           <p:cNvPr id="6" name="灯片编号占位符 5">
             <a:extLst>
               <a:ext uri="{FF2B5EF4-FFF2-40B4-BE49-F238E27FC236}">
-                <a16:creationId xmlns:a16="http://schemas.microsoft.com/office/drawing/2014/main" xmlns="" id="{1F3C8019-62F1-B944-A451-3D6B01AE5F69}"/>
+                <a16:creationId xmlns="" xmlns:a16="http://schemas.microsoft.com/office/drawing/2014/main" id="{1F3C8019-62F1-B944-A451-3D6B01AE5F69}"/>
               </a:ext>
             </a:extLst>
           </p:cNvPr>
@@ -7005,7 +7005,7 @@
           <p:cNvPr id="2" name="竖排标题 1">
             <a:extLst>
               <a:ext uri="{FF2B5EF4-FFF2-40B4-BE49-F238E27FC236}">
-                <a16:creationId xmlns:a16="http://schemas.microsoft.com/office/drawing/2014/main" xmlns="" id="{008715DA-E9F1-4045-82A9-F91C49EBD781}"/>
+                <a16:creationId xmlns="" xmlns:a16="http://schemas.microsoft.com/office/drawing/2014/main" id="{008715DA-E9F1-4045-82A9-F91C49EBD781}"/>
               </a:ext>
             </a:extLst>
           </p:cNvPr>
@@ -7038,7 +7038,7 @@
           <p:cNvPr id="3" name="竖排文字占位符 2">
             <a:extLst>
               <a:ext uri="{FF2B5EF4-FFF2-40B4-BE49-F238E27FC236}">
-                <a16:creationId xmlns:a16="http://schemas.microsoft.com/office/drawing/2014/main" xmlns="" id="{CE651E2E-1EA2-9E4C-A31B-69823759420B}"/>
+                <a16:creationId xmlns="" xmlns:a16="http://schemas.microsoft.com/office/drawing/2014/main" id="{CE651E2E-1EA2-9E4C-A31B-69823759420B}"/>
               </a:ext>
             </a:extLst>
           </p:cNvPr>
@@ -7075,7 +7075,7 @@
           <p:cNvPr id="4" name="日期占位符 3">
             <a:extLst>
               <a:ext uri="{FF2B5EF4-FFF2-40B4-BE49-F238E27FC236}">
-                <a16:creationId xmlns:a16="http://schemas.microsoft.com/office/drawing/2014/main" xmlns="" id="{0E43B222-516A-DB40-844F-28130A608625}"/>
+                <a16:creationId xmlns="" xmlns:a16="http://schemas.microsoft.com/office/drawing/2014/main" id="{0E43B222-516A-DB40-844F-28130A608625}"/>
               </a:ext>
             </a:extLst>
           </p:cNvPr>
@@ -7117,7 +7117,7 @@
           <p:cNvPr id="5" name="页脚占位符 4">
             <a:extLst>
               <a:ext uri="{FF2B5EF4-FFF2-40B4-BE49-F238E27FC236}">
-                <a16:creationId xmlns:a16="http://schemas.microsoft.com/office/drawing/2014/main" xmlns="" id="{D525CC31-387D-424D-913B-04F01EDF98D3}"/>
+                <a16:creationId xmlns="" xmlns:a16="http://schemas.microsoft.com/office/drawing/2014/main" id="{D525CC31-387D-424D-913B-04F01EDF98D3}"/>
               </a:ext>
             </a:extLst>
           </p:cNvPr>
@@ -7148,7 +7148,7 @@
           <p:cNvPr id="6" name="灯片编号占位符 5">
             <a:extLst>
               <a:ext uri="{FF2B5EF4-FFF2-40B4-BE49-F238E27FC236}">
-                <a16:creationId xmlns:a16="http://schemas.microsoft.com/office/drawing/2014/main" xmlns="" id="{24415B15-66CF-6A4C-B6B7-3BEC576F678E}"/>
+                <a16:creationId xmlns="" xmlns:a16="http://schemas.microsoft.com/office/drawing/2014/main" id="{24415B15-66CF-6A4C-B6B7-3BEC576F678E}"/>
               </a:ext>
             </a:extLst>
           </p:cNvPr>
@@ -7220,7 +7220,7 @@
           <p:cNvPr id="2" name="标题 1">
             <a:extLst>
               <a:ext uri="{FF2B5EF4-FFF2-40B4-BE49-F238E27FC236}">
-                <a16:creationId xmlns:a16="http://schemas.microsoft.com/office/drawing/2014/main" xmlns="" id="{57F5F288-DE4C-AF46-B3D6-431564EFA602}"/>
+                <a16:creationId xmlns="" xmlns:a16="http://schemas.microsoft.com/office/drawing/2014/main" id="{57F5F288-DE4C-AF46-B3D6-431564EFA602}"/>
               </a:ext>
             </a:extLst>
           </p:cNvPr>
@@ -7248,7 +7248,7 @@
           <p:cNvPr id="3" name="内容占位符 2">
             <a:extLst>
               <a:ext uri="{FF2B5EF4-FFF2-40B4-BE49-F238E27FC236}">
-                <a16:creationId xmlns:a16="http://schemas.microsoft.com/office/drawing/2014/main" xmlns="" id="{C37CA70E-B75A-E84F-B52F-3EF079CB8E2B}"/>
+                <a16:creationId xmlns="" xmlns:a16="http://schemas.microsoft.com/office/drawing/2014/main" id="{C37CA70E-B75A-E84F-B52F-3EF079CB8E2B}"/>
               </a:ext>
             </a:extLst>
           </p:cNvPr>
@@ -7285,7 +7285,7 @@
           <p:cNvPr id="4" name="内容占位符 3">
             <a:extLst>
               <a:ext uri="{FF2B5EF4-FFF2-40B4-BE49-F238E27FC236}">
-                <a16:creationId xmlns:a16="http://schemas.microsoft.com/office/drawing/2014/main" xmlns="" id="{9DF93CC5-D877-F849-B30F-257E1860EE17}"/>
+                <a16:creationId xmlns="" xmlns:a16="http://schemas.microsoft.com/office/drawing/2014/main" id="{9DF93CC5-D877-F849-B30F-257E1860EE17}"/>
               </a:ext>
             </a:extLst>
           </p:cNvPr>
@@ -7322,7 +7322,7 @@
           <p:cNvPr id="5" name="日期占位符 4">
             <a:extLst>
               <a:ext uri="{FF2B5EF4-FFF2-40B4-BE49-F238E27FC236}">
-                <a16:creationId xmlns:a16="http://schemas.microsoft.com/office/drawing/2014/main" xmlns="" id="{9E7133B6-7A91-6D4A-B3E2-3DB01768D35C}"/>
+                <a16:creationId xmlns="" xmlns:a16="http://schemas.microsoft.com/office/drawing/2014/main" id="{9E7133B6-7A91-6D4A-B3E2-3DB01768D35C}"/>
               </a:ext>
             </a:extLst>
           </p:cNvPr>
@@ -7351,7 +7351,7 @@
           <p:cNvPr id="6" name="页脚占位符 5">
             <a:extLst>
               <a:ext uri="{FF2B5EF4-FFF2-40B4-BE49-F238E27FC236}">
-                <a16:creationId xmlns:a16="http://schemas.microsoft.com/office/drawing/2014/main" xmlns="" id="{A53B7AC0-FD46-A74C-A6B7-024B4356551A}"/>
+                <a16:creationId xmlns="" xmlns:a16="http://schemas.microsoft.com/office/drawing/2014/main" id="{A53B7AC0-FD46-A74C-A6B7-024B4356551A}"/>
               </a:ext>
             </a:extLst>
           </p:cNvPr>
@@ -7376,7 +7376,7 @@
           <p:cNvPr id="7" name="灯片编号占位符 6">
             <a:extLst>
               <a:ext uri="{FF2B5EF4-FFF2-40B4-BE49-F238E27FC236}">
-                <a16:creationId xmlns:a16="http://schemas.microsoft.com/office/drawing/2014/main" xmlns="" id="{7C2ACABC-5295-5140-8D76-45DABCE1E910}"/>
+                <a16:creationId xmlns="" xmlns:a16="http://schemas.microsoft.com/office/drawing/2014/main" id="{7C2ACABC-5295-5140-8D76-45DABCE1E910}"/>
               </a:ext>
             </a:extLst>
           </p:cNvPr>
@@ -7435,7 +7435,7 @@
           <p:cNvPr id="2" name="标题 1">
             <a:extLst>
               <a:ext uri="{FF2B5EF4-FFF2-40B4-BE49-F238E27FC236}">
-                <a16:creationId xmlns:a16="http://schemas.microsoft.com/office/drawing/2014/main" xmlns="" id="{EF70EFCD-C3BD-B743-86DF-39664B949A8A}"/>
+                <a16:creationId xmlns="" xmlns:a16="http://schemas.microsoft.com/office/drawing/2014/main" id="{EF70EFCD-C3BD-B743-86DF-39664B949A8A}"/>
               </a:ext>
             </a:extLst>
           </p:cNvPr>
@@ -7468,7 +7468,7 @@
           <p:cNvPr id="3" name="文本占位符 2">
             <a:extLst>
               <a:ext uri="{FF2B5EF4-FFF2-40B4-BE49-F238E27FC236}">
-                <a16:creationId xmlns:a16="http://schemas.microsoft.com/office/drawing/2014/main" xmlns="" id="{CFB6C7F8-0F95-4C45-A42A-41BF0DB09368}"/>
+                <a16:creationId xmlns="" xmlns:a16="http://schemas.microsoft.com/office/drawing/2014/main" id="{CFB6C7F8-0F95-4C45-A42A-41BF0DB09368}"/>
               </a:ext>
             </a:extLst>
           </p:cNvPr>
@@ -7542,7 +7542,7 @@
           <p:cNvPr id="4" name="内容占位符 3">
             <a:extLst>
               <a:ext uri="{FF2B5EF4-FFF2-40B4-BE49-F238E27FC236}">
-                <a16:creationId xmlns:a16="http://schemas.microsoft.com/office/drawing/2014/main" xmlns="" id="{64FE7DA4-9265-BF45-BEEA-8229CC6A71E8}"/>
+                <a16:creationId xmlns="" xmlns:a16="http://schemas.microsoft.com/office/drawing/2014/main" id="{64FE7DA4-9265-BF45-BEEA-8229CC6A71E8}"/>
               </a:ext>
             </a:extLst>
           </p:cNvPr>
@@ -7579,7 +7579,7 @@
           <p:cNvPr id="5" name="文本占位符 4">
             <a:extLst>
               <a:ext uri="{FF2B5EF4-FFF2-40B4-BE49-F238E27FC236}">
-                <a16:creationId xmlns:a16="http://schemas.microsoft.com/office/drawing/2014/main" xmlns="" id="{83208457-349B-264F-9E6A-6C5D1B105AA5}"/>
+                <a16:creationId xmlns="" xmlns:a16="http://schemas.microsoft.com/office/drawing/2014/main" id="{83208457-349B-264F-9E6A-6C5D1B105AA5}"/>
               </a:ext>
             </a:extLst>
           </p:cNvPr>
@@ -7653,7 +7653,7 @@
           <p:cNvPr id="6" name="内容占位符 5">
             <a:extLst>
               <a:ext uri="{FF2B5EF4-FFF2-40B4-BE49-F238E27FC236}">
-                <a16:creationId xmlns:a16="http://schemas.microsoft.com/office/drawing/2014/main" xmlns="" id="{5681923C-B774-AE47-8026-8CA3B738C20E}"/>
+                <a16:creationId xmlns="" xmlns:a16="http://schemas.microsoft.com/office/drawing/2014/main" id="{5681923C-B774-AE47-8026-8CA3B738C20E}"/>
               </a:ext>
             </a:extLst>
           </p:cNvPr>
@@ -7690,7 +7690,7 @@
           <p:cNvPr id="7" name="日期占位符 6">
             <a:extLst>
               <a:ext uri="{FF2B5EF4-FFF2-40B4-BE49-F238E27FC236}">
-                <a16:creationId xmlns:a16="http://schemas.microsoft.com/office/drawing/2014/main" xmlns="" id="{45BF03BB-ED21-2540-812B-63CFE998EDDC}"/>
+                <a16:creationId xmlns="" xmlns:a16="http://schemas.microsoft.com/office/drawing/2014/main" id="{45BF03BB-ED21-2540-812B-63CFE998EDDC}"/>
               </a:ext>
             </a:extLst>
           </p:cNvPr>
@@ -7719,7 +7719,7 @@
           <p:cNvPr id="8" name="页脚占位符 7">
             <a:extLst>
               <a:ext uri="{FF2B5EF4-FFF2-40B4-BE49-F238E27FC236}">
-                <a16:creationId xmlns:a16="http://schemas.microsoft.com/office/drawing/2014/main" xmlns="" id="{9D557850-EB30-6A43-8FA3-C27826CB94CE}"/>
+                <a16:creationId xmlns="" xmlns:a16="http://schemas.microsoft.com/office/drawing/2014/main" id="{9D557850-EB30-6A43-8FA3-C27826CB94CE}"/>
               </a:ext>
             </a:extLst>
           </p:cNvPr>
@@ -7744,7 +7744,7 @@
           <p:cNvPr id="9" name="灯片编号占位符 8">
             <a:extLst>
               <a:ext uri="{FF2B5EF4-FFF2-40B4-BE49-F238E27FC236}">
-                <a16:creationId xmlns:a16="http://schemas.microsoft.com/office/drawing/2014/main" xmlns="" id="{4641C078-5766-4F4C-807A-D51BD23A0B42}"/>
+                <a16:creationId xmlns="" xmlns:a16="http://schemas.microsoft.com/office/drawing/2014/main" id="{4641C078-5766-4F4C-807A-D51BD23A0B42}"/>
               </a:ext>
             </a:extLst>
           </p:cNvPr>
@@ -7803,7 +7803,7 @@
           <p:cNvPr id="2" name="标题 1">
             <a:extLst>
               <a:ext uri="{FF2B5EF4-FFF2-40B4-BE49-F238E27FC236}">
-                <a16:creationId xmlns:a16="http://schemas.microsoft.com/office/drawing/2014/main" xmlns="" id="{EAA793F8-8329-1B42-B703-F697B3AC4464}"/>
+                <a16:creationId xmlns="" xmlns:a16="http://schemas.microsoft.com/office/drawing/2014/main" id="{EAA793F8-8329-1B42-B703-F697B3AC4464}"/>
               </a:ext>
             </a:extLst>
           </p:cNvPr>
@@ -7831,7 +7831,7 @@
           <p:cNvPr id="3" name="日期占位符 2">
             <a:extLst>
               <a:ext uri="{FF2B5EF4-FFF2-40B4-BE49-F238E27FC236}">
-                <a16:creationId xmlns:a16="http://schemas.microsoft.com/office/drawing/2014/main" xmlns="" id="{3DD56DCD-DC46-B649-AD85-EFBBD25DA4CD}"/>
+                <a16:creationId xmlns="" xmlns:a16="http://schemas.microsoft.com/office/drawing/2014/main" id="{3DD56DCD-DC46-B649-AD85-EFBBD25DA4CD}"/>
               </a:ext>
             </a:extLst>
           </p:cNvPr>
@@ -7860,7 +7860,7 @@
           <p:cNvPr id="4" name="页脚占位符 3">
             <a:extLst>
               <a:ext uri="{FF2B5EF4-FFF2-40B4-BE49-F238E27FC236}">
-                <a16:creationId xmlns:a16="http://schemas.microsoft.com/office/drawing/2014/main" xmlns="" id="{D92DC04B-5328-BD40-BBBA-DF1C844725E1}"/>
+                <a16:creationId xmlns="" xmlns:a16="http://schemas.microsoft.com/office/drawing/2014/main" id="{D92DC04B-5328-BD40-BBBA-DF1C844725E1}"/>
               </a:ext>
             </a:extLst>
           </p:cNvPr>
@@ -7885,7 +7885,7 @@
           <p:cNvPr id="5" name="灯片编号占位符 4">
             <a:extLst>
               <a:ext uri="{FF2B5EF4-FFF2-40B4-BE49-F238E27FC236}">
-                <a16:creationId xmlns:a16="http://schemas.microsoft.com/office/drawing/2014/main" xmlns="" id="{CE78C63B-D9DB-9043-8EBC-6E9D2361742C}"/>
+                <a16:creationId xmlns="" xmlns:a16="http://schemas.microsoft.com/office/drawing/2014/main" id="{CE78C63B-D9DB-9043-8EBC-6E9D2361742C}"/>
               </a:ext>
             </a:extLst>
           </p:cNvPr>
@@ -7944,7 +7944,7 @@
           <p:cNvPr id="2" name="日期占位符 1">
             <a:extLst>
               <a:ext uri="{FF2B5EF4-FFF2-40B4-BE49-F238E27FC236}">
-                <a16:creationId xmlns:a16="http://schemas.microsoft.com/office/drawing/2014/main" xmlns="" id="{792C8687-61CC-8A4E-9737-601CFED6714C}"/>
+                <a16:creationId xmlns="" xmlns:a16="http://schemas.microsoft.com/office/drawing/2014/main" id="{792C8687-61CC-8A4E-9737-601CFED6714C}"/>
               </a:ext>
             </a:extLst>
           </p:cNvPr>
@@ -7973,7 +7973,7 @@
           <p:cNvPr id="3" name="页脚占位符 2">
             <a:extLst>
               <a:ext uri="{FF2B5EF4-FFF2-40B4-BE49-F238E27FC236}">
-                <a16:creationId xmlns:a16="http://schemas.microsoft.com/office/drawing/2014/main" xmlns="" id="{2661BEB9-2871-BE45-888C-AE3AA4411D57}"/>
+                <a16:creationId xmlns="" xmlns:a16="http://schemas.microsoft.com/office/drawing/2014/main" id="{2661BEB9-2871-BE45-888C-AE3AA4411D57}"/>
               </a:ext>
             </a:extLst>
           </p:cNvPr>
@@ -7998,7 +7998,7 @@
           <p:cNvPr id="4" name="灯片编号占位符 3">
             <a:extLst>
               <a:ext uri="{FF2B5EF4-FFF2-40B4-BE49-F238E27FC236}">
-                <a16:creationId xmlns:a16="http://schemas.microsoft.com/office/drawing/2014/main" xmlns="" id="{1D7A30AB-1364-1547-A4D2-F0A6BFC822F6}"/>
+                <a16:creationId xmlns="" xmlns:a16="http://schemas.microsoft.com/office/drawing/2014/main" id="{1D7A30AB-1364-1547-A4D2-F0A6BFC822F6}"/>
               </a:ext>
             </a:extLst>
           </p:cNvPr>
@@ -8057,7 +8057,7 @@
           <p:cNvPr id="2" name="标题 1">
             <a:extLst>
               <a:ext uri="{FF2B5EF4-FFF2-40B4-BE49-F238E27FC236}">
-                <a16:creationId xmlns:a16="http://schemas.microsoft.com/office/drawing/2014/main" xmlns="" id="{C55745BD-F2F2-DE4D-97D1-31FC9700FF9F}"/>
+                <a16:creationId xmlns="" xmlns:a16="http://schemas.microsoft.com/office/drawing/2014/main" id="{C55745BD-F2F2-DE4D-97D1-31FC9700FF9F}"/>
               </a:ext>
             </a:extLst>
           </p:cNvPr>
@@ -8094,7 +8094,7 @@
           <p:cNvPr id="3" name="内容占位符 2">
             <a:extLst>
               <a:ext uri="{FF2B5EF4-FFF2-40B4-BE49-F238E27FC236}">
-                <a16:creationId xmlns:a16="http://schemas.microsoft.com/office/drawing/2014/main" xmlns="" id="{E7BAD0F6-508E-5842-9284-EF6B22777867}"/>
+                <a16:creationId xmlns="" xmlns:a16="http://schemas.microsoft.com/office/drawing/2014/main" id="{E7BAD0F6-508E-5842-9284-EF6B22777867}"/>
               </a:ext>
             </a:extLst>
           </p:cNvPr>
@@ -8159,7 +8159,7 @@
           <p:cNvPr id="4" name="文本占位符 3">
             <a:extLst>
               <a:ext uri="{FF2B5EF4-FFF2-40B4-BE49-F238E27FC236}">
-                <a16:creationId xmlns:a16="http://schemas.microsoft.com/office/drawing/2014/main" xmlns="" id="{F9D29931-97AC-4141-939C-35E8BA699FCD}"/>
+                <a16:creationId xmlns="" xmlns:a16="http://schemas.microsoft.com/office/drawing/2014/main" id="{F9D29931-97AC-4141-939C-35E8BA699FCD}"/>
               </a:ext>
             </a:extLst>
           </p:cNvPr>
@@ -8233,7 +8233,7 @@
           <p:cNvPr id="5" name="日期占位符 4">
             <a:extLst>
               <a:ext uri="{FF2B5EF4-FFF2-40B4-BE49-F238E27FC236}">
-                <a16:creationId xmlns:a16="http://schemas.microsoft.com/office/drawing/2014/main" xmlns="" id="{70CE28A3-C1D7-084A-8653-1CCEF68E4DB1}"/>
+                <a16:creationId xmlns="" xmlns:a16="http://schemas.microsoft.com/office/drawing/2014/main" id="{70CE28A3-C1D7-084A-8653-1CCEF68E4DB1}"/>
               </a:ext>
             </a:extLst>
           </p:cNvPr>
@@ -8262,7 +8262,7 @@
           <p:cNvPr id="6" name="页脚占位符 5">
             <a:extLst>
               <a:ext uri="{FF2B5EF4-FFF2-40B4-BE49-F238E27FC236}">
-                <a16:creationId xmlns:a16="http://schemas.microsoft.com/office/drawing/2014/main" xmlns="" id="{4EAAD575-E2EE-0B44-8913-D3D6421D8857}"/>
+                <a16:creationId xmlns="" xmlns:a16="http://schemas.microsoft.com/office/drawing/2014/main" id="{4EAAD575-E2EE-0B44-8913-D3D6421D8857}"/>
               </a:ext>
             </a:extLst>
           </p:cNvPr>
@@ -8287,7 +8287,7 @@
           <p:cNvPr id="7" name="灯片编号占位符 6">
             <a:extLst>
               <a:ext uri="{FF2B5EF4-FFF2-40B4-BE49-F238E27FC236}">
-                <a16:creationId xmlns:a16="http://schemas.microsoft.com/office/drawing/2014/main" xmlns="" id="{74CA608F-39AA-2E41-89B9-C12CB8B987D2}"/>
+                <a16:creationId xmlns="" xmlns:a16="http://schemas.microsoft.com/office/drawing/2014/main" id="{74CA608F-39AA-2E41-89B9-C12CB8B987D2}"/>
               </a:ext>
             </a:extLst>
           </p:cNvPr>
@@ -8346,7 +8346,7 @@
           <p:cNvPr id="2" name="标题 1">
             <a:extLst>
               <a:ext uri="{FF2B5EF4-FFF2-40B4-BE49-F238E27FC236}">
-                <a16:creationId xmlns:a16="http://schemas.microsoft.com/office/drawing/2014/main" xmlns="" id="{8D9CE73A-6873-2446-A5BB-302BAF4B232E}"/>
+                <a16:creationId xmlns="" xmlns:a16="http://schemas.microsoft.com/office/drawing/2014/main" id="{8D9CE73A-6873-2446-A5BB-302BAF4B232E}"/>
               </a:ext>
             </a:extLst>
           </p:cNvPr>
@@ -8383,7 +8383,7 @@
           <p:cNvPr id="3" name="图片占位符 2">
             <a:extLst>
               <a:ext uri="{FF2B5EF4-FFF2-40B4-BE49-F238E27FC236}">
-                <a16:creationId xmlns:a16="http://schemas.microsoft.com/office/drawing/2014/main" xmlns="" id="{2ABC85F0-01BA-2A43-B9FF-BB90BCF5FCC9}"/>
+                <a16:creationId xmlns="" xmlns:a16="http://schemas.microsoft.com/office/drawing/2014/main" id="{2ABC85F0-01BA-2A43-B9FF-BB90BCF5FCC9}"/>
               </a:ext>
             </a:extLst>
           </p:cNvPr>
@@ -8450,7 +8450,7 @@
           <p:cNvPr id="4" name="文本占位符 3">
             <a:extLst>
               <a:ext uri="{FF2B5EF4-FFF2-40B4-BE49-F238E27FC236}">
-                <a16:creationId xmlns:a16="http://schemas.microsoft.com/office/drawing/2014/main" xmlns="" id="{6C4C30EB-6072-7646-B150-E0A44F7D2D8F}"/>
+                <a16:creationId xmlns="" xmlns:a16="http://schemas.microsoft.com/office/drawing/2014/main" id="{6C4C30EB-6072-7646-B150-E0A44F7D2D8F}"/>
               </a:ext>
             </a:extLst>
           </p:cNvPr>
@@ -8524,7 +8524,7 @@
           <p:cNvPr id="5" name="日期占位符 4">
             <a:extLst>
               <a:ext uri="{FF2B5EF4-FFF2-40B4-BE49-F238E27FC236}">
-                <a16:creationId xmlns:a16="http://schemas.microsoft.com/office/drawing/2014/main" xmlns="" id="{5ADA9BF3-28A4-8845-AF43-D2FB443AF558}"/>
+                <a16:creationId xmlns="" xmlns:a16="http://schemas.microsoft.com/office/drawing/2014/main" id="{5ADA9BF3-28A4-8845-AF43-D2FB443AF558}"/>
               </a:ext>
             </a:extLst>
           </p:cNvPr>
@@ -8553,7 +8553,7 @@
           <p:cNvPr id="6" name="页脚占位符 5">
             <a:extLst>
               <a:ext uri="{FF2B5EF4-FFF2-40B4-BE49-F238E27FC236}">
-                <a16:creationId xmlns:a16="http://schemas.microsoft.com/office/drawing/2014/main" xmlns="" id="{AC685F97-A7F9-C846-9D6F-C40CAC7CAF36}"/>
+                <a16:creationId xmlns="" xmlns:a16="http://schemas.microsoft.com/office/drawing/2014/main" id="{AC685F97-A7F9-C846-9D6F-C40CAC7CAF36}"/>
               </a:ext>
             </a:extLst>
           </p:cNvPr>
@@ -8578,7 +8578,7 @@
           <p:cNvPr id="7" name="灯片编号占位符 6">
             <a:extLst>
               <a:ext uri="{FF2B5EF4-FFF2-40B4-BE49-F238E27FC236}">
-                <a16:creationId xmlns:a16="http://schemas.microsoft.com/office/drawing/2014/main" xmlns="" id="{07300B25-60E6-224D-99E1-957299BBB546}"/>
+                <a16:creationId xmlns="" xmlns:a16="http://schemas.microsoft.com/office/drawing/2014/main" id="{07300B25-60E6-224D-99E1-957299BBB546}"/>
               </a:ext>
             </a:extLst>
           </p:cNvPr>
@@ -8642,7 +8642,7 @@
           <p:cNvPr id="2" name="标题占位符 1">
             <a:extLst>
               <a:ext uri="{FF2B5EF4-FFF2-40B4-BE49-F238E27FC236}">
-                <a16:creationId xmlns:a16="http://schemas.microsoft.com/office/drawing/2014/main" xmlns="" id="{43E44F6C-1454-ED40-8B34-53D7C1EEADBA}"/>
+                <a16:creationId xmlns="" xmlns:a16="http://schemas.microsoft.com/office/drawing/2014/main" id="{43E44F6C-1454-ED40-8B34-53D7C1EEADBA}"/>
               </a:ext>
             </a:extLst>
           </p:cNvPr>
@@ -8680,7 +8680,7 @@
           <p:cNvPr id="3" name="文本占位符 2">
             <a:extLst>
               <a:ext uri="{FF2B5EF4-FFF2-40B4-BE49-F238E27FC236}">
-                <a16:creationId xmlns:a16="http://schemas.microsoft.com/office/drawing/2014/main" xmlns="" id="{CA156B73-DE3F-2440-AC59-AD50C4213465}"/>
+                <a16:creationId xmlns="" xmlns:a16="http://schemas.microsoft.com/office/drawing/2014/main" id="{CA156B73-DE3F-2440-AC59-AD50C4213465}"/>
               </a:ext>
             </a:extLst>
           </p:cNvPr>
@@ -8722,7 +8722,7 @@
           <p:cNvPr id="4" name="日期占位符 3">
             <a:extLst>
               <a:ext uri="{FF2B5EF4-FFF2-40B4-BE49-F238E27FC236}">
-                <a16:creationId xmlns:a16="http://schemas.microsoft.com/office/drawing/2014/main" xmlns="" id="{15780F8A-7E27-8A42-BF83-F4345AE9399A}"/>
+                <a16:creationId xmlns="" xmlns:a16="http://schemas.microsoft.com/office/drawing/2014/main" id="{15780F8A-7E27-8A42-BF83-F4345AE9399A}"/>
               </a:ext>
             </a:extLst>
           </p:cNvPr>
@@ -8769,7 +8769,7 @@
           <p:cNvPr id="5" name="页脚占位符 4">
             <a:extLst>
               <a:ext uri="{FF2B5EF4-FFF2-40B4-BE49-F238E27FC236}">
-                <a16:creationId xmlns:a16="http://schemas.microsoft.com/office/drawing/2014/main" xmlns="" id="{5130195D-37C8-D942-A3E4-E2474F7EF3B9}"/>
+                <a16:creationId xmlns="" xmlns:a16="http://schemas.microsoft.com/office/drawing/2014/main" id="{5130195D-37C8-D942-A3E4-E2474F7EF3B9}"/>
               </a:ext>
             </a:extLst>
           </p:cNvPr>
@@ -8812,7 +8812,7 @@
           <p:cNvPr id="6" name="灯片编号占位符 5">
             <a:extLst>
               <a:ext uri="{FF2B5EF4-FFF2-40B4-BE49-F238E27FC236}">
-                <a16:creationId xmlns:a16="http://schemas.microsoft.com/office/drawing/2014/main" xmlns="" id="{5261F05E-989D-1C41-92F1-32DC2C19FEB6}"/>
+                <a16:creationId xmlns="" xmlns:a16="http://schemas.microsoft.com/office/drawing/2014/main" id="{5261F05E-989D-1C41-92F1-32DC2C19FEB6}"/>
               </a:ext>
             </a:extLst>
           </p:cNvPr>
@@ -9185,7 +9185,7 @@
           <p:cNvPr id="2" name="标题占位符 1">
             <a:extLst>
               <a:ext uri="{FF2B5EF4-FFF2-40B4-BE49-F238E27FC236}">
-                <a16:creationId xmlns:a16="http://schemas.microsoft.com/office/drawing/2014/main" xmlns="" id="{5E8EC580-2567-2F47-B611-587895A45079}"/>
+                <a16:creationId xmlns="" xmlns:a16="http://schemas.microsoft.com/office/drawing/2014/main" id="{5E8EC580-2567-2F47-B611-587895A45079}"/>
               </a:ext>
             </a:extLst>
           </p:cNvPr>
@@ -9223,7 +9223,7 @@
           <p:cNvPr id="3" name="文本占位符 2">
             <a:extLst>
               <a:ext uri="{FF2B5EF4-FFF2-40B4-BE49-F238E27FC236}">
-                <a16:creationId xmlns:a16="http://schemas.microsoft.com/office/drawing/2014/main" xmlns="" id="{4C3A81F4-9309-EF4D-BA41-BE2924939842}"/>
+                <a16:creationId xmlns="" xmlns:a16="http://schemas.microsoft.com/office/drawing/2014/main" id="{4C3A81F4-9309-EF4D-BA41-BE2924939842}"/>
               </a:ext>
             </a:extLst>
           </p:cNvPr>
@@ -9265,7 +9265,7 @@
           <p:cNvPr id="4" name="日期占位符 3">
             <a:extLst>
               <a:ext uri="{FF2B5EF4-FFF2-40B4-BE49-F238E27FC236}">
-                <a16:creationId xmlns:a16="http://schemas.microsoft.com/office/drawing/2014/main" xmlns="" id="{0DE9A52E-80E5-404D-AD3B-E788189DEB6A}"/>
+                <a16:creationId xmlns="" xmlns:a16="http://schemas.microsoft.com/office/drawing/2014/main" id="{0DE9A52E-80E5-404D-AD3B-E788189DEB6A}"/>
               </a:ext>
             </a:extLst>
           </p:cNvPr>
@@ -9325,7 +9325,7 @@
           <p:cNvPr id="5" name="页脚占位符 4">
             <a:extLst>
               <a:ext uri="{FF2B5EF4-FFF2-40B4-BE49-F238E27FC236}">
-                <a16:creationId xmlns:a16="http://schemas.microsoft.com/office/drawing/2014/main" xmlns="" id="{C29B48D1-E8B4-384F-A78D-0325F56D6272}"/>
+                <a16:creationId xmlns="" xmlns:a16="http://schemas.microsoft.com/office/drawing/2014/main" id="{C29B48D1-E8B4-384F-A78D-0325F56D6272}"/>
               </a:ext>
             </a:extLst>
           </p:cNvPr>
@@ -9374,7 +9374,7 @@
           <p:cNvPr id="6" name="灯片编号占位符 5">
             <a:extLst>
               <a:ext uri="{FF2B5EF4-FFF2-40B4-BE49-F238E27FC236}">
-                <a16:creationId xmlns:a16="http://schemas.microsoft.com/office/drawing/2014/main" xmlns="" id="{D1B65F5A-EAB4-F34F-8FED-12EBA556A486}"/>
+                <a16:creationId xmlns="" xmlns:a16="http://schemas.microsoft.com/office/drawing/2014/main" id="{D1B65F5A-EAB4-F34F-8FED-12EBA556A486}"/>
               </a:ext>
             </a:extLst>
           </p:cNvPr>
@@ -9760,7 +9760,7 @@
           <p:cNvPr id="2" name="标题占位符 1">
             <a:extLst>
               <a:ext uri="{FF2B5EF4-FFF2-40B4-BE49-F238E27FC236}">
-                <a16:creationId xmlns:a16="http://schemas.microsoft.com/office/drawing/2014/main" xmlns="" id="{645F4A2A-E7F6-A444-A8D0-95FEE83BEFD3}"/>
+                <a16:creationId xmlns="" xmlns:a16="http://schemas.microsoft.com/office/drawing/2014/main" id="{645F4A2A-E7F6-A444-A8D0-95FEE83BEFD3}"/>
               </a:ext>
             </a:extLst>
           </p:cNvPr>
@@ -9798,7 +9798,7 @@
           <p:cNvPr id="3" name="文本占位符 2">
             <a:extLst>
               <a:ext uri="{FF2B5EF4-FFF2-40B4-BE49-F238E27FC236}">
-                <a16:creationId xmlns:a16="http://schemas.microsoft.com/office/drawing/2014/main" xmlns="" id="{A1D44843-34F3-814C-8A3D-D00803791F54}"/>
+                <a16:creationId xmlns="" xmlns:a16="http://schemas.microsoft.com/office/drawing/2014/main" id="{A1D44843-34F3-814C-8A3D-D00803791F54}"/>
               </a:ext>
             </a:extLst>
           </p:cNvPr>
@@ -9840,7 +9840,7 @@
           <p:cNvPr id="4" name="日期占位符 3">
             <a:extLst>
               <a:ext uri="{FF2B5EF4-FFF2-40B4-BE49-F238E27FC236}">
-                <a16:creationId xmlns:a16="http://schemas.microsoft.com/office/drawing/2014/main" xmlns="" id="{ADD49F58-BCBA-7943-9F18-6B734CADA7C7}"/>
+                <a16:creationId xmlns="" xmlns:a16="http://schemas.microsoft.com/office/drawing/2014/main" id="{ADD49F58-BCBA-7943-9F18-6B734CADA7C7}"/>
               </a:ext>
             </a:extLst>
           </p:cNvPr>
@@ -9900,7 +9900,7 @@
           <p:cNvPr id="5" name="页脚占位符 4">
             <a:extLst>
               <a:ext uri="{FF2B5EF4-FFF2-40B4-BE49-F238E27FC236}">
-                <a16:creationId xmlns:a16="http://schemas.microsoft.com/office/drawing/2014/main" xmlns="" id="{23188E54-9689-CD4B-9D3B-DD198DCFFE45}"/>
+                <a16:creationId xmlns="" xmlns:a16="http://schemas.microsoft.com/office/drawing/2014/main" id="{23188E54-9689-CD4B-9D3B-DD198DCFFE45}"/>
               </a:ext>
             </a:extLst>
           </p:cNvPr>
@@ -9949,7 +9949,7 @@
           <p:cNvPr id="6" name="灯片编号占位符 5">
             <a:extLst>
               <a:ext uri="{FF2B5EF4-FFF2-40B4-BE49-F238E27FC236}">
-                <a16:creationId xmlns:a16="http://schemas.microsoft.com/office/drawing/2014/main" xmlns="" id="{22E4B391-684F-374A-9730-0846C39FC255}"/>
+                <a16:creationId xmlns="" xmlns:a16="http://schemas.microsoft.com/office/drawing/2014/main" id="{22E4B391-684F-374A-9730-0846C39FC255}"/>
               </a:ext>
             </a:extLst>
           </p:cNvPr>
@@ -10330,7 +10330,7 @@
           <p:cNvPr id="2" name="标题 1">
             <a:extLst>
               <a:ext uri="{FF2B5EF4-FFF2-40B4-BE49-F238E27FC236}">
-                <a16:creationId xmlns:a16="http://schemas.microsoft.com/office/drawing/2014/main" xmlns="" id="{FC868D41-BE23-3B41-ABF9-227ED0CB6B9A}"/>
+                <a16:creationId xmlns="" xmlns:a16="http://schemas.microsoft.com/office/drawing/2014/main" id="{FC868D41-BE23-3B41-ABF9-227ED0CB6B9A}"/>
               </a:ext>
             </a:extLst>
           </p:cNvPr>
@@ -10358,7 +10358,7 @@
           <p:cNvPr id="3" name="副标题 2">
             <a:extLst>
               <a:ext uri="{FF2B5EF4-FFF2-40B4-BE49-F238E27FC236}">
-                <a16:creationId xmlns:a16="http://schemas.microsoft.com/office/drawing/2014/main" xmlns="" id="{E82724AD-B220-EA47-AB8B-2A067614B22D}"/>
+                <a16:creationId xmlns="" xmlns:a16="http://schemas.microsoft.com/office/drawing/2014/main" id="{E82724AD-B220-EA47-AB8B-2A067614B22D}"/>
               </a:ext>
             </a:extLst>
           </p:cNvPr>
@@ -13406,7 +13406,7 @@
           <p:cNvPr id="2" name="标题 1">
             <a:extLst>
               <a:ext uri="{FF2B5EF4-FFF2-40B4-BE49-F238E27FC236}">
-                <a16:creationId xmlns:a16="http://schemas.microsoft.com/office/drawing/2014/main" xmlns="" id="{B7C80F24-8751-6748-A395-6CC68DD4C11E}"/>
+                <a16:creationId xmlns="" xmlns:a16="http://schemas.microsoft.com/office/drawing/2014/main" id="{B7C80F24-8751-6748-A395-6CC68DD4C11E}"/>
               </a:ext>
             </a:extLst>
           </p:cNvPr>
@@ -13436,7 +13436,7 @@
           <p:cNvPr id="3" name="内容占位符 2">
             <a:extLst>
               <a:ext uri="{FF2B5EF4-FFF2-40B4-BE49-F238E27FC236}">
-                <a16:creationId xmlns:a16="http://schemas.microsoft.com/office/drawing/2014/main" xmlns="" id="{A674D26A-E446-7949-B430-D2FF57FA6265}"/>
+                <a16:creationId xmlns="" xmlns:a16="http://schemas.microsoft.com/office/drawing/2014/main" id="{A674D26A-E446-7949-B430-D2FF57FA6265}"/>
               </a:ext>
             </a:extLst>
           </p:cNvPr>
@@ -14840,7 +14840,7 @@
           <p:cNvPr id="2" name="标题 1">
             <a:extLst>
               <a:ext uri="{FF2B5EF4-FFF2-40B4-BE49-F238E27FC236}">
-                <a16:creationId xmlns:a16="http://schemas.microsoft.com/office/drawing/2014/main" xmlns="" id="{0B0DFC72-932D-8C48-A3FD-1E5916FAB56D}"/>
+                <a16:creationId xmlns="" xmlns:a16="http://schemas.microsoft.com/office/drawing/2014/main" id="{0B0DFC72-932D-8C48-A3FD-1E5916FAB56D}"/>
               </a:ext>
             </a:extLst>
           </p:cNvPr>
@@ -14875,7 +14875,7 @@
           <p:cNvPr id="3" name="内容占位符 2">
             <a:extLst>
               <a:ext uri="{FF2B5EF4-FFF2-40B4-BE49-F238E27FC236}">
-                <a16:creationId xmlns:a16="http://schemas.microsoft.com/office/drawing/2014/main" xmlns="" id="{5CC0CCBC-E454-1844-965B-0781E473940F}"/>
+                <a16:creationId xmlns="" xmlns:a16="http://schemas.microsoft.com/office/drawing/2014/main" id="{5CC0CCBC-E454-1844-965B-0781E473940F}"/>
               </a:ext>
             </a:extLst>
           </p:cNvPr>
@@ -14929,7 +14929,7 @@
           <p:cNvPr id="5" name="图片 4">
             <a:extLst>
               <a:ext uri="{FF2B5EF4-FFF2-40B4-BE49-F238E27FC236}">
-                <a16:creationId xmlns:a16="http://schemas.microsoft.com/office/drawing/2014/main" xmlns="" id="{355B1C70-5BEB-3249-8C01-189406DF46A6}"/>
+                <a16:creationId xmlns="" xmlns:a16="http://schemas.microsoft.com/office/drawing/2014/main" id="{355B1C70-5BEB-3249-8C01-189406DF46A6}"/>
               </a:ext>
             </a:extLst>
           </p:cNvPr>
@@ -14959,7 +14959,7 @@
           <p:cNvPr id="9" name="下箭头 8">
             <a:extLst>
               <a:ext uri="{FF2B5EF4-FFF2-40B4-BE49-F238E27FC236}">
-                <a16:creationId xmlns:a16="http://schemas.microsoft.com/office/drawing/2014/main" xmlns="" id="{E02ECC01-2348-634A-B147-1FB45CB1A424}"/>
+                <a16:creationId xmlns="" xmlns:a16="http://schemas.microsoft.com/office/drawing/2014/main" id="{E02ECC01-2348-634A-B147-1FB45CB1A424}"/>
               </a:ext>
             </a:extLst>
           </p:cNvPr>
@@ -15026,7 +15026,7 @@
           <p:cNvPr id="11" name="图片 10">
             <a:extLst>
               <a:ext uri="{FF2B5EF4-FFF2-40B4-BE49-F238E27FC236}">
-                <a16:creationId xmlns:a16="http://schemas.microsoft.com/office/drawing/2014/main" xmlns="" id="{DF0729DD-2831-1343-B06F-04D193C96A81}"/>
+                <a16:creationId xmlns="" xmlns:a16="http://schemas.microsoft.com/office/drawing/2014/main" id="{DF0729DD-2831-1343-B06F-04D193C96A81}"/>
               </a:ext>
             </a:extLst>
           </p:cNvPr>
@@ -15056,7 +15056,7 @@
           <p:cNvPr id="12" name="矩形 11">
             <a:extLst>
               <a:ext uri="{FF2B5EF4-FFF2-40B4-BE49-F238E27FC236}">
-                <a16:creationId xmlns:a16="http://schemas.microsoft.com/office/drawing/2014/main" xmlns="" id="{C502815C-5B79-454A-9082-CAEA5E1DF99A}"/>
+                <a16:creationId xmlns="" xmlns:a16="http://schemas.microsoft.com/office/drawing/2014/main" id="{C502815C-5B79-454A-9082-CAEA5E1DF99A}"/>
               </a:ext>
             </a:extLst>
           </p:cNvPr>
@@ -15661,7 +15661,7 @@
           <p:cNvPr id="2" name="标题 1">
             <a:extLst>
               <a:ext uri="{FF2B5EF4-FFF2-40B4-BE49-F238E27FC236}">
-                <a16:creationId xmlns:a16="http://schemas.microsoft.com/office/drawing/2014/main" xmlns="" id="{40F71A48-0A5B-774E-97BF-E9DE1751CA12}"/>
+                <a16:creationId xmlns="" xmlns:a16="http://schemas.microsoft.com/office/drawing/2014/main" id="{40F71A48-0A5B-774E-97BF-E9DE1751CA12}"/>
               </a:ext>
             </a:extLst>
           </p:cNvPr>
@@ -15691,7 +15691,7 @@
           <p:cNvPr id="5" name="内容占位符 4">
             <a:extLst>
               <a:ext uri="{FF2B5EF4-FFF2-40B4-BE49-F238E27FC236}">
-                <a16:creationId xmlns:a16="http://schemas.microsoft.com/office/drawing/2014/main" xmlns="" id="{7601C42F-FA16-4147-A9C0-52CC17393DF9}"/>
+                <a16:creationId xmlns="" xmlns:a16="http://schemas.microsoft.com/office/drawing/2014/main" id="{7601C42F-FA16-4147-A9C0-52CC17393DF9}"/>
               </a:ext>
             </a:extLst>
           </p:cNvPr>
@@ -15720,7 +15720,7 @@
           <p:cNvPr id="7" name="图片 6">
             <a:extLst>
               <a:ext uri="{FF2B5EF4-FFF2-40B4-BE49-F238E27FC236}">
-                <a16:creationId xmlns:a16="http://schemas.microsoft.com/office/drawing/2014/main" xmlns="" id="{B1E2458B-B3F9-0646-BB4B-9BF757E28E65}"/>
+                <a16:creationId xmlns="" xmlns:a16="http://schemas.microsoft.com/office/drawing/2014/main" id="{B1E2458B-B3F9-0646-BB4B-9BF757E28E65}"/>
               </a:ext>
             </a:extLst>
           </p:cNvPr>
@@ -15750,7 +15750,7 @@
           <p:cNvPr id="9" name="直线连接符 8">
             <a:extLst>
               <a:ext uri="{FF2B5EF4-FFF2-40B4-BE49-F238E27FC236}">
-                <a16:creationId xmlns:a16="http://schemas.microsoft.com/office/drawing/2014/main" xmlns="" id="{414B3E23-A669-5240-94B3-DE3771782B1D}"/>
+                <a16:creationId xmlns="" xmlns:a16="http://schemas.microsoft.com/office/drawing/2014/main" id="{414B3E23-A669-5240-94B3-DE3771782B1D}"/>
               </a:ext>
             </a:extLst>
           </p:cNvPr>
@@ -15791,7 +15791,7 @@
           <p:cNvPr id="11" name="直线连接符 10">
             <a:extLst>
               <a:ext uri="{FF2B5EF4-FFF2-40B4-BE49-F238E27FC236}">
-                <a16:creationId xmlns:a16="http://schemas.microsoft.com/office/drawing/2014/main" xmlns="" id="{93A3673F-8DAC-F543-B982-41F03BDD9496}"/>
+                <a16:creationId xmlns="" xmlns:a16="http://schemas.microsoft.com/office/drawing/2014/main" id="{93A3673F-8DAC-F543-B982-41F03BDD9496}"/>
               </a:ext>
             </a:extLst>
           </p:cNvPr>
@@ -15832,7 +15832,7 @@
           <p:cNvPr id="3" name="文本框 2">
             <a:extLst>
               <a:ext uri="{FF2B5EF4-FFF2-40B4-BE49-F238E27FC236}">
-                <a16:creationId xmlns:a16="http://schemas.microsoft.com/office/drawing/2014/main" xmlns="" id="{755F9506-9B31-3E4A-A007-138262A8E2FA}"/>
+                <a16:creationId xmlns="" xmlns:a16="http://schemas.microsoft.com/office/drawing/2014/main" id="{755F9506-9B31-3E4A-A007-138262A8E2FA}"/>
               </a:ext>
             </a:extLst>
           </p:cNvPr>
@@ -16176,7 +16176,7 @@
           <p:cNvPr id="2" name="标题 1">
             <a:extLst>
               <a:ext uri="{FF2B5EF4-FFF2-40B4-BE49-F238E27FC236}">
-                <a16:creationId xmlns:a16="http://schemas.microsoft.com/office/drawing/2014/main" xmlns="" id="{122B7D4E-8CDC-AB43-BD23-55CD426320F3}"/>
+                <a16:creationId xmlns="" xmlns:a16="http://schemas.microsoft.com/office/drawing/2014/main" id="{122B7D4E-8CDC-AB43-BD23-55CD426320F3}"/>
               </a:ext>
             </a:extLst>
           </p:cNvPr>
@@ -16217,7 +16217,7 @@
           <p:cNvPr id="5" name="内容占位符 4">
             <a:extLst>
               <a:ext uri="{FF2B5EF4-FFF2-40B4-BE49-F238E27FC236}">
-                <a16:creationId xmlns:a16="http://schemas.microsoft.com/office/drawing/2014/main" xmlns="" id="{9EF21260-EC08-DA41-A5EE-2BFA5AB599EB}"/>
+                <a16:creationId xmlns="" xmlns:a16="http://schemas.microsoft.com/office/drawing/2014/main" id="{9EF21260-EC08-DA41-A5EE-2BFA5AB599EB}"/>
               </a:ext>
             </a:extLst>
           </p:cNvPr>
@@ -16246,7 +16246,7 @@
           <p:cNvPr id="11" name="图片 10">
             <a:extLst>
               <a:ext uri="{FF2B5EF4-FFF2-40B4-BE49-F238E27FC236}">
-                <a16:creationId xmlns:a16="http://schemas.microsoft.com/office/drawing/2014/main" xmlns="" id="{611E3F04-B8AF-BB44-98E5-0DCA1F00260A}"/>
+                <a16:creationId xmlns="" xmlns:a16="http://schemas.microsoft.com/office/drawing/2014/main" id="{611E3F04-B8AF-BB44-98E5-0DCA1F00260A}"/>
               </a:ext>
             </a:extLst>
           </p:cNvPr>
@@ -16276,7 +16276,7 @@
           <p:cNvPr id="7" name="文本框 15">
             <a:extLst>
               <a:ext uri="{FF2B5EF4-FFF2-40B4-BE49-F238E27FC236}">
-                <a16:creationId xmlns:a16="http://schemas.microsoft.com/office/drawing/2014/main" xmlns="" id="{135E0C4E-67C6-7E4E-8D68-D78568CD17AC}"/>
+                <a16:creationId xmlns="" xmlns:a16="http://schemas.microsoft.com/office/drawing/2014/main" id="{135E0C4E-67C6-7E4E-8D68-D78568CD17AC}"/>
               </a:ext>
             </a:extLst>
           </p:cNvPr>
@@ -16579,7 +16579,7 @@
           <p:cNvPr id="2" name="标题 1">
             <a:extLst>
               <a:ext uri="{FF2B5EF4-FFF2-40B4-BE49-F238E27FC236}">
-                <a16:creationId xmlns:a16="http://schemas.microsoft.com/office/drawing/2014/main" xmlns="" id="{7ABA1111-7879-0147-B6BA-5265524CC52A}"/>
+                <a16:creationId xmlns="" xmlns:a16="http://schemas.microsoft.com/office/drawing/2014/main" id="{7ABA1111-7879-0147-B6BA-5265524CC52A}"/>
               </a:ext>
             </a:extLst>
           </p:cNvPr>
@@ -16621,7 +16621,7 @@
           <p:cNvPr id="3" name="内容占位符 2">
             <a:extLst>
               <a:ext uri="{FF2B5EF4-FFF2-40B4-BE49-F238E27FC236}">
-                <a16:creationId xmlns:a16="http://schemas.microsoft.com/office/drawing/2014/main" xmlns="" id="{2E17A1B2-5D50-D74D-AD7E-093FAC953405}"/>
+                <a16:creationId xmlns="" xmlns:a16="http://schemas.microsoft.com/office/drawing/2014/main" id="{2E17A1B2-5D50-D74D-AD7E-093FAC953405}"/>
               </a:ext>
             </a:extLst>
           </p:cNvPr>
@@ -16694,7 +16694,7 @@
           <p:cNvPr id="5" name="图片 4">
             <a:extLst>
               <a:ext uri="{FF2B5EF4-FFF2-40B4-BE49-F238E27FC236}">
-                <a16:creationId xmlns:a16="http://schemas.microsoft.com/office/drawing/2014/main" xmlns="" id="{2A24A040-2CEF-8D41-A9DE-D493BED9CC84}"/>
+                <a16:creationId xmlns="" xmlns:a16="http://schemas.microsoft.com/office/drawing/2014/main" id="{2A24A040-2CEF-8D41-A9DE-D493BED9CC84}"/>
               </a:ext>
             </a:extLst>
           </p:cNvPr>
@@ -16881,7 +16881,7 @@
           <p:cNvPr id="2" name="标题 1">
             <a:extLst>
               <a:ext uri="{FF2B5EF4-FFF2-40B4-BE49-F238E27FC236}">
-                <a16:creationId xmlns:a16="http://schemas.microsoft.com/office/drawing/2014/main" xmlns="" id="{0002381E-641E-9047-8F80-EB79EE844FDC}"/>
+                <a16:creationId xmlns="" xmlns:a16="http://schemas.microsoft.com/office/drawing/2014/main" id="{0002381E-641E-9047-8F80-EB79EE844FDC}"/>
               </a:ext>
             </a:extLst>
           </p:cNvPr>
@@ -16909,7 +16909,7 @@
           <p:cNvPr id="4" name="副标题 3">
             <a:extLst>
               <a:ext uri="{FF2B5EF4-FFF2-40B4-BE49-F238E27FC236}">
-                <a16:creationId xmlns:a16="http://schemas.microsoft.com/office/drawing/2014/main" xmlns="" id="{C79D7192-97AF-0844-B230-C55295509ED8}"/>
+                <a16:creationId xmlns="" xmlns:a16="http://schemas.microsoft.com/office/drawing/2014/main" id="{C79D7192-97AF-0844-B230-C55295509ED8}"/>
               </a:ext>
             </a:extLst>
           </p:cNvPr>
@@ -16971,7 +16971,7 @@
           <p:cNvPr id="2" name="标题 1">
             <a:extLst>
               <a:ext uri="{FF2B5EF4-FFF2-40B4-BE49-F238E27FC236}">
-                <a16:creationId xmlns:a16="http://schemas.microsoft.com/office/drawing/2014/main" xmlns="" id="{9E4548C0-F483-6545-9237-FE0C0C62467D}"/>
+                <a16:creationId xmlns="" xmlns:a16="http://schemas.microsoft.com/office/drawing/2014/main" id="{9E4548C0-F483-6545-9237-FE0C0C62467D}"/>
               </a:ext>
             </a:extLst>
           </p:cNvPr>
@@ -17001,7 +17001,7 @@
           <p:cNvPr id="5" name="内容占位符 4">
             <a:extLst>
               <a:ext uri="{FF2B5EF4-FFF2-40B4-BE49-F238E27FC236}">
-                <a16:creationId xmlns:a16="http://schemas.microsoft.com/office/drawing/2014/main" xmlns="" id="{23BDF6FB-9238-4747-97FB-55CA209C244C}"/>
+                <a16:creationId xmlns="" xmlns:a16="http://schemas.microsoft.com/office/drawing/2014/main" id="{23BDF6FB-9238-4747-97FB-55CA209C244C}"/>
               </a:ext>
             </a:extLst>
           </p:cNvPr>
@@ -17308,7 +17308,7 @@
           <p:cNvPr id="2" name="标题 1">
             <a:extLst>
               <a:ext uri="{FF2B5EF4-FFF2-40B4-BE49-F238E27FC236}">
-                <a16:creationId xmlns:a16="http://schemas.microsoft.com/office/drawing/2014/main" xmlns="" id="{46F503AB-1473-D44C-9412-DDCE10C98B52}"/>
+                <a16:creationId xmlns="" xmlns:a16="http://schemas.microsoft.com/office/drawing/2014/main" id="{46F503AB-1473-D44C-9412-DDCE10C98B52}"/>
               </a:ext>
             </a:extLst>
           </p:cNvPr>
@@ -17338,7 +17338,7 @@
           <p:cNvPr id="3" name="内容占位符 2">
             <a:extLst>
               <a:ext uri="{FF2B5EF4-FFF2-40B4-BE49-F238E27FC236}">
-                <a16:creationId xmlns:a16="http://schemas.microsoft.com/office/drawing/2014/main" xmlns="" id="{10754CB7-EA63-BC4E-B48B-E51785FE7EFA}"/>
+                <a16:creationId xmlns="" xmlns:a16="http://schemas.microsoft.com/office/drawing/2014/main" id="{10754CB7-EA63-BC4E-B48B-E51785FE7EFA}"/>
               </a:ext>
             </a:extLst>
           </p:cNvPr>
@@ -17570,7 +17570,7 @@
           <p:cNvPr id="4" name="标题 3">
             <a:extLst>
               <a:ext uri="{FF2B5EF4-FFF2-40B4-BE49-F238E27FC236}">
-                <a16:creationId xmlns:a16="http://schemas.microsoft.com/office/drawing/2014/main" xmlns="" id="{188B1100-ED68-394A-B89F-8EB0ECC65EBB}"/>
+                <a16:creationId xmlns="" xmlns:a16="http://schemas.microsoft.com/office/drawing/2014/main" id="{188B1100-ED68-394A-B89F-8EB0ECC65EBB}"/>
               </a:ext>
             </a:extLst>
           </p:cNvPr>
@@ -17600,7 +17600,7 @@
           <p:cNvPr id="3" name="内容占位符 2">
             <a:extLst>
               <a:ext uri="{FF2B5EF4-FFF2-40B4-BE49-F238E27FC236}">
-                <a16:creationId xmlns:a16="http://schemas.microsoft.com/office/drawing/2014/main" xmlns="" id="{37C54FC4-8A62-1447-ACA7-0BBA3C64FAA4}"/>
+                <a16:creationId xmlns="" xmlns:a16="http://schemas.microsoft.com/office/drawing/2014/main" id="{37C54FC4-8A62-1447-ACA7-0BBA3C64FAA4}"/>
               </a:ext>
             </a:extLst>
           </p:cNvPr>
@@ -17692,7 +17692,7 @@
           <p:cNvPr id="2" name="标题 1">
             <a:extLst>
               <a:ext uri="{FF2B5EF4-FFF2-40B4-BE49-F238E27FC236}">
-                <a16:creationId xmlns:a16="http://schemas.microsoft.com/office/drawing/2014/main" xmlns="" id="{20E76240-728F-0E48-830D-7BDDB7EF27E3}"/>
+                <a16:creationId xmlns="" xmlns:a16="http://schemas.microsoft.com/office/drawing/2014/main" id="{20E76240-728F-0E48-830D-7BDDB7EF27E3}"/>
               </a:ext>
             </a:extLst>
           </p:cNvPr>
@@ -17720,7 +17720,7 @@
           <p:cNvPr id="3" name="内容占位符 2">
             <a:extLst>
               <a:ext uri="{FF2B5EF4-FFF2-40B4-BE49-F238E27FC236}">
-                <a16:creationId xmlns:a16="http://schemas.microsoft.com/office/drawing/2014/main" xmlns="" id="{732BE1D5-E1EC-A647-956F-D4F0B89EDBB8}"/>
+                <a16:creationId xmlns="" xmlns:a16="http://schemas.microsoft.com/office/drawing/2014/main" id="{732BE1D5-E1EC-A647-956F-D4F0B89EDBB8}"/>
               </a:ext>
             </a:extLst>
           </p:cNvPr>
@@ -17901,7 +17901,7 @@
           <p:cNvPr id="2" name="标题 1">
             <a:extLst>
               <a:ext uri="{FF2B5EF4-FFF2-40B4-BE49-F238E27FC236}">
-                <a16:creationId xmlns:a16="http://schemas.microsoft.com/office/drawing/2014/main" xmlns="" id="{B3CC05EF-F982-FD48-9A68-72B74DC8450E}"/>
+                <a16:creationId xmlns="" xmlns:a16="http://schemas.microsoft.com/office/drawing/2014/main" id="{B3CC05EF-F982-FD48-9A68-72B74DC8450E}"/>
               </a:ext>
             </a:extLst>
           </p:cNvPr>
@@ -17926,7 +17926,7 @@
           <p:cNvPr id="5" name="内容占位符 4">
             <a:extLst>
               <a:ext uri="{FF2B5EF4-FFF2-40B4-BE49-F238E27FC236}">
-                <a16:creationId xmlns:a16="http://schemas.microsoft.com/office/drawing/2014/main" xmlns="" id="{36306A6F-F918-8A40-8C72-29B99C46599C}"/>
+                <a16:creationId xmlns="" xmlns:a16="http://schemas.microsoft.com/office/drawing/2014/main" id="{36306A6F-F918-8A40-8C72-29B99C46599C}"/>
               </a:ext>
             </a:extLst>
           </p:cNvPr>
@@ -17955,7 +17955,7 @@
           <p:cNvPr id="7" name="图片 6">
             <a:extLst>
               <a:ext uri="{FF2B5EF4-FFF2-40B4-BE49-F238E27FC236}">
-                <a16:creationId xmlns:a16="http://schemas.microsoft.com/office/drawing/2014/main" xmlns="" id="{57C9668A-34E0-BF43-BCA0-B4918DACCBC1}"/>
+                <a16:creationId xmlns="" xmlns:a16="http://schemas.microsoft.com/office/drawing/2014/main" id="{57C9668A-34E0-BF43-BCA0-B4918DACCBC1}"/>
               </a:ext>
             </a:extLst>
           </p:cNvPr>
@@ -17985,7 +17985,7 @@
           <p:cNvPr id="8" name="图片 7">
             <a:extLst>
               <a:ext uri="{FF2B5EF4-FFF2-40B4-BE49-F238E27FC236}">
-                <a16:creationId xmlns:a16="http://schemas.microsoft.com/office/drawing/2014/main" xmlns="" id="{C9E4FA1A-2DDE-D14F-B994-83A0090D48DF}"/>
+                <a16:creationId xmlns="" xmlns:a16="http://schemas.microsoft.com/office/drawing/2014/main" id="{C9E4FA1A-2DDE-D14F-B994-83A0090D48DF}"/>
               </a:ext>
             </a:extLst>
           </p:cNvPr>
@@ -18015,7 +18015,7 @@
           <p:cNvPr id="10" name="图片 9">
             <a:extLst>
               <a:ext uri="{FF2B5EF4-FFF2-40B4-BE49-F238E27FC236}">
-                <a16:creationId xmlns:a16="http://schemas.microsoft.com/office/drawing/2014/main" xmlns="" id="{0E552716-2EBA-A446-A342-5888AB45F0B4}"/>
+                <a16:creationId xmlns="" xmlns:a16="http://schemas.microsoft.com/office/drawing/2014/main" id="{0E552716-2EBA-A446-A342-5888AB45F0B4}"/>
               </a:ext>
             </a:extLst>
           </p:cNvPr>
@@ -18045,7 +18045,7 @@
           <p:cNvPr id="4" name="图片 3">
             <a:extLst>
               <a:ext uri="{FF2B5EF4-FFF2-40B4-BE49-F238E27FC236}">
-                <a16:creationId xmlns:a16="http://schemas.microsoft.com/office/drawing/2014/main" xmlns="" id="{FF0679BB-5D52-9D4C-8D7F-77E3E66034B3}"/>
+                <a16:creationId xmlns="" xmlns:a16="http://schemas.microsoft.com/office/drawing/2014/main" id="{FF0679BB-5D52-9D4C-8D7F-77E3E66034B3}"/>
               </a:ext>
             </a:extLst>
           </p:cNvPr>
@@ -21963,7 +21963,7 @@
   <a:extraClrSchemeLst/>
   <a:extLst>
     <a:ext uri="{05A4C25C-085E-4340-85A3-A5531E510DB2}">
-      <thm15:themeFamily xmlns:thm15="http://schemas.microsoft.com/office/thememl/2012/main" xmlns="" name="Office Theme" id="{62F939B6-93AF-4DB8-9C6B-D6C7DFDC589F}" vid="{4A3C46E8-61CC-4603-A589-7422A47A8E4A}"/>
+      <thm15:themeFamily xmlns="" xmlns:thm15="http://schemas.microsoft.com/office/thememl/2012/main" name="Office Theme" id="{62F939B6-93AF-4DB8-9C6B-D6C7DFDC589F}" vid="{4A3C46E8-61CC-4603-A589-7422A47A8E4A}"/>
     </a:ext>
   </a:extLst>
 </a:theme>
@@ -22258,7 +22258,7 @@
   <a:extraClrSchemeLst/>
   <a:extLst>
     <a:ext uri="{05A4C25C-085E-4340-85A3-A5531E510DB2}">
-      <thm15:themeFamily xmlns:thm15="http://schemas.microsoft.com/office/thememl/2012/main" xmlns="" name="Office Theme" id="{62F939B6-93AF-4DB8-9C6B-D6C7DFDC589F}" vid="{4A3C46E8-61CC-4603-A589-7422A47A8E4A}"/>
+      <thm15:themeFamily xmlns="" xmlns:thm15="http://schemas.microsoft.com/office/thememl/2012/main" name="Office Theme" id="{62F939B6-93AF-4DB8-9C6B-D6C7DFDC589F}" vid="{4A3C46E8-61CC-4603-A589-7422A47A8E4A}"/>
     </a:ext>
   </a:extLst>
 </a:theme>
@@ -22553,7 +22553,7 @@
   <a:extraClrSchemeLst/>
   <a:extLst>
     <a:ext uri="{05A4C25C-085E-4340-85A3-A5531E510DB2}">
-      <thm15:themeFamily xmlns:thm15="http://schemas.microsoft.com/office/thememl/2012/main" xmlns="" name="Office Theme" id="{62F939B6-93AF-4DB8-9C6B-D6C7DFDC589F}" vid="{4A3C46E8-61CC-4603-A589-7422A47A8E4A}"/>
+      <thm15:themeFamily xmlns="" xmlns:thm15="http://schemas.microsoft.com/office/thememl/2012/main" name="Office Theme" id="{62F939B6-93AF-4DB8-9C6B-D6C7DFDC589F}" vid="{4A3C46E8-61CC-4603-A589-7422A47A8E4A}"/>
     </a:ext>
   </a:extLst>
 </a:theme>
@@ -22848,7 +22848,7 @@
   <a:extraClrSchemeLst/>
   <a:extLst>
     <a:ext uri="{05A4C25C-085E-4340-85A3-A5531E510DB2}">
-      <thm15:themeFamily xmlns:thm15="http://schemas.microsoft.com/office/thememl/2012/main" xmlns="" name="Office Theme" id="{62F939B6-93AF-4DB8-9C6B-D6C7DFDC589F}" vid="{4A3C46E8-61CC-4603-A589-7422A47A8E4A}"/>
+      <thm15:themeFamily xmlns="" xmlns:thm15="http://schemas.microsoft.com/office/thememl/2012/main" name="Office Theme" id="{62F939B6-93AF-4DB8-9C6B-D6C7DFDC589F}" vid="{4A3C46E8-61CC-4603-A589-7422A47A8E4A}"/>
     </a:ext>
   </a:extLst>
 </a:theme>
